--- a/projectmanagement/presentations/3_Auto-B-Day_Endpraesentation.pptx
+++ b/projectmanagement/presentations/3_Auto-B-Day_Endpraesentation.pptx
@@ -2879,7 +2879,7 @@
           <a:p>
             <a:fld id="{E79B2E80-2F6A-4DA4-B3C0-41493247AAD8}" type="datetimeFigureOut">
               <a:rPr lang="de-DE" smtClean="0"/>
-              <a:t>27.01.2012</a:t>
+              <a:t>29.01.12</a:t>
             </a:fld>
             <a:endParaRPr lang="de-DE"/>
           </a:p>
@@ -3164,7 +3164,7 @@
           <a:p>
             <a:fld id="{E79B2E80-2F6A-4DA4-B3C0-41493247AAD8}" type="datetimeFigureOut">
               <a:rPr lang="de-DE" smtClean="0"/>
-              <a:t>27.01.2012</a:t>
+              <a:t>29.01.12</a:t>
             </a:fld>
             <a:endParaRPr lang="de-DE"/>
           </a:p>
@@ -3339,7 +3339,7 @@
           <a:p>
             <a:fld id="{E79B2E80-2F6A-4DA4-B3C0-41493247AAD8}" type="datetimeFigureOut">
               <a:rPr lang="de-DE" smtClean="0"/>
-              <a:t>27.01.2012</a:t>
+              <a:t>29.01.12</a:t>
             </a:fld>
             <a:endParaRPr lang="de-DE"/>
           </a:p>
@@ -3504,7 +3504,7 @@
           <a:p>
             <a:fld id="{E79B2E80-2F6A-4DA4-B3C0-41493247AAD8}" type="datetimeFigureOut">
               <a:rPr lang="de-DE" smtClean="0"/>
-              <a:t>27.01.2012</a:t>
+              <a:t>29.01.12</a:t>
             </a:fld>
             <a:endParaRPr lang="de-DE"/>
           </a:p>
@@ -3745,7 +3745,7 @@
           <a:p>
             <a:fld id="{E79B2E80-2F6A-4DA4-B3C0-41493247AAD8}" type="datetimeFigureOut">
               <a:rPr lang="de-DE" smtClean="0"/>
-              <a:t>27.01.2012</a:t>
+              <a:t>29.01.12</a:t>
             </a:fld>
             <a:endParaRPr lang="de-DE"/>
           </a:p>
@@ -3858,7 +3858,7 @@
           <a:p>
             <a:fld id="{E79B2E80-2F6A-4DA4-B3C0-41493247AAD8}" type="datetimeFigureOut">
               <a:rPr lang="de-DE" smtClean="0"/>
-              <a:t>27.01.2012</a:t>
+              <a:t>29.01.12</a:t>
             </a:fld>
             <a:endParaRPr lang="de-DE"/>
           </a:p>
@@ -4397,7 +4397,7 @@
           <a:p>
             <a:fld id="{E79B2E80-2F6A-4DA4-B3C0-41493247AAD8}" type="datetimeFigureOut">
               <a:rPr lang="de-DE" smtClean="0"/>
-              <a:t>27.01.2012</a:t>
+              <a:t>29.01.12</a:t>
             </a:fld>
             <a:endParaRPr lang="de-DE"/>
           </a:p>
@@ -4510,7 +4510,7 @@
           <a:p>
             <a:fld id="{E79B2E80-2F6A-4DA4-B3C0-41493247AAD8}" type="datetimeFigureOut">
               <a:rPr lang="de-DE" smtClean="0"/>
-              <a:t>27.01.2012</a:t>
+              <a:t>29.01.12</a:t>
             </a:fld>
             <a:endParaRPr lang="de-DE"/>
           </a:p>
@@ -4600,7 +4600,7 @@
           <a:p>
             <a:fld id="{E79B2E80-2F6A-4DA4-B3C0-41493247AAD8}" type="datetimeFigureOut">
               <a:rPr lang="de-DE" smtClean="0"/>
-              <a:t>27.01.2012</a:t>
+              <a:t>29.01.12</a:t>
             </a:fld>
             <a:endParaRPr lang="de-DE"/>
           </a:p>
@@ -7251,7 +7251,7 @@
           <a:p>
             <a:fld id="{E79B2E80-2F6A-4DA4-B3C0-41493247AAD8}" type="datetimeFigureOut">
               <a:rPr lang="de-DE" smtClean="0"/>
-              <a:t>27.01.2012</a:t>
+              <a:t>29.01.12</a:t>
             </a:fld>
             <a:endParaRPr lang="de-DE"/>
           </a:p>
@@ -10463,7 +10463,7 @@
           <a:p>
             <a:fld id="{E79B2E80-2F6A-4DA4-B3C0-41493247AAD8}" type="datetimeFigureOut">
               <a:rPr lang="de-DE" smtClean="0"/>
-              <a:t>27.01.2012</a:t>
+              <a:t>29.01.12</a:t>
             </a:fld>
             <a:endParaRPr lang="de-DE"/>
           </a:p>
@@ -13285,7 +13285,7 @@
           <a:p>
             <a:fld id="{E79B2E80-2F6A-4DA4-B3C0-41493247AAD8}" type="datetimeFigureOut">
               <a:rPr lang="de-DE" smtClean="0"/>
-              <a:t>27.01.2012</a:t>
+              <a:t>29.01.12</a:t>
             </a:fld>
             <a:endParaRPr lang="de-DE"/>
           </a:p>
@@ -13879,15 +13879,6 @@
               </a:rPr>
               <a:t>Final</a:t>
             </a:r>
-            <a:endParaRPr lang="de-DE" sz="5400" b="1" cap="all" dirty="0" smtClean="0">
-              <a:ln w="0"/>
-              <a:solidFill>
-                <a:srgbClr val="800000">
-                  <a:alpha val="84000"/>
-                </a:srgbClr>
-              </a:solidFill>
-              <a:effectLst/>
-            </a:endParaRPr>
           </a:p>
         </p:txBody>
       </p:sp>
@@ -13904,7 +13895,7 @@
   <p:timing>
     <p:tnLst>
       <p:par>
-        <p:cTn id="1" dur="indefinite" restart="never" nodeType="tmRoot"/>
+        <p:cTn xmlns:p14="http://schemas.microsoft.com/office/powerpoint/2010/main" id="1" dur="indefinite" restart="never" nodeType="tmRoot"/>
       </p:par>
     </p:tnLst>
   </p:timing>
@@ -13991,14 +13982,14 @@
           </a:ln>
           <a:effectLst/>
           <a:extLst>
-            <a:ext uri="{909E8E84-426E-40DD-AFC4-6F175D3DCCD1}">
+            <a:ext uri="{909E8E84-426E-40dd-AFC4-6F175D3DCCD1}">
               <a14:hiddenFill xmlns:a14="http://schemas.microsoft.com/office/drawing/2010/main">
                 <a:solidFill>
                   <a:schemeClr val="accent1"/>
                 </a:solidFill>
               </a14:hiddenFill>
             </a:ext>
-            <a:ext uri="{91240B29-F687-4F45-9708-019B960494DF}">
+            <a:ext uri="{91240B29-F687-4f45-9708-019B960494DF}">
               <a14:hiddenLine xmlns:a14="http://schemas.microsoft.com/office/drawing/2010/main" w="9525">
                 <a:solidFill>
                   <a:schemeClr val="tx1"/>
@@ -14008,7 +13999,7 @@
                 <a:tailEnd/>
               </a14:hiddenLine>
             </a:ext>
-            <a:ext uri="{AF507438-7753-43E0-B8FC-AC1667EBCBE1}">
+            <a:ext uri="{AF507438-7753-43e0-B8FC-AC1667EBCBE1}">
               <a14:hiddenEffects xmlns:a14="http://schemas.microsoft.com/office/drawing/2010/main">
                 <a:effectLst>
                   <a:outerShdw dist="35921" dir="2700000" algn="ctr" rotWithShape="0">
@@ -14033,7 +14024,7 @@
   <p:timing>
     <p:tnLst>
       <p:par>
-        <p:cTn id="1" dur="indefinite" restart="never" nodeType="tmRoot"/>
+        <p:cTn xmlns:p14="http://schemas.microsoft.com/office/powerpoint/2010/main" id="1" dur="indefinite" restart="never" nodeType="tmRoot"/>
       </p:par>
     </p:tnLst>
   </p:timing>
@@ -14120,7 +14111,7 @@
   <p:timing>
     <p:tnLst>
       <p:par>
-        <p:cTn id="1" dur="indefinite" restart="never" nodeType="tmRoot"/>
+        <p:cTn xmlns:p14="http://schemas.microsoft.com/office/powerpoint/2010/main" id="1" dur="indefinite" restart="never" nodeType="tmRoot"/>
       </p:par>
     </p:tnLst>
   </p:timing>
@@ -14218,7 +14209,7 @@
   <p:timing>
     <p:tnLst>
       <p:par>
-        <p:cTn id="1" dur="indefinite" restart="never" nodeType="tmRoot"/>
+        <p:cTn xmlns:p14="http://schemas.microsoft.com/office/powerpoint/2010/main" id="1" dur="indefinite" restart="never" nodeType="tmRoot"/>
       </p:par>
     </p:tnLst>
   </p:timing>
@@ -14368,7 +14359,7 @@
   <p:timing>
     <p:tnLst>
       <p:par>
-        <p:cTn id="1" dur="indefinite" restart="never" nodeType="tmRoot"/>
+        <p:cTn xmlns:p14="http://schemas.microsoft.com/office/powerpoint/2010/main" id="1" dur="indefinite" restart="never" nodeType="tmRoot"/>
       </p:par>
     </p:tnLst>
   </p:timing>
@@ -14545,7 +14536,7 @@
   <p:timing>
     <p:tnLst>
       <p:par>
-        <p:cTn id="1" dur="indefinite" restart="never" nodeType="tmRoot"/>
+        <p:cTn xmlns:p14="http://schemas.microsoft.com/office/powerpoint/2010/main" id="1" dur="indefinite" restart="never" nodeType="tmRoot"/>
       </p:par>
     </p:tnLst>
   </p:timing>
@@ -14631,7 +14622,7 @@
   <p:timing>
     <p:tnLst>
       <p:par>
-        <p:cTn id="1" dur="indefinite" restart="never" nodeType="tmRoot"/>
+        <p:cTn xmlns:p14="http://schemas.microsoft.com/office/powerpoint/2010/main" id="1" dur="indefinite" restart="never" nodeType="tmRoot"/>
       </p:par>
     </p:tnLst>
   </p:timing>
@@ -14735,7 +14726,7 @@
   <p:timing>
     <p:tnLst>
       <p:par>
-        <p:cTn id="1" dur="indefinite" restart="never" nodeType="tmRoot"/>
+        <p:cTn xmlns:p14="http://schemas.microsoft.com/office/powerpoint/2010/main" id="1" dur="indefinite" restart="never" nodeType="tmRoot"/>
       </p:par>
     </p:tnLst>
   </p:timing>
@@ -14858,7 +14849,6 @@
               <a:rPr lang="de-DE" dirty="0" smtClean="0"/>
               <a:t>Datenbank</a:t>
             </a:r>
-            <a:endParaRPr lang="de-DE" dirty="0" smtClean="0"/>
           </a:p>
           <a:p>
             <a:r>
@@ -14883,7 +14873,6 @@
               <a:rPr lang="de-DE" dirty="0" smtClean="0"/>
               <a:t>Kurze Vorführung</a:t>
             </a:r>
-            <a:endParaRPr lang="de-DE" dirty="0" smtClean="0"/>
           </a:p>
         </p:txBody>
       </p:sp>
@@ -14900,7 +14889,7 @@
   <p:timing>
     <p:tnLst>
       <p:par>
-        <p:cTn id="1" dur="indefinite" restart="never" nodeType="tmRoot"/>
+        <p:cTn xmlns:p14="http://schemas.microsoft.com/office/powerpoint/2010/main" id="1" dur="indefinite" restart="never" nodeType="tmRoot"/>
       </p:par>
     </p:tnLst>
   </p:timing>
@@ -15009,7 +14998,7 @@
   <p:timing>
     <p:tnLst>
       <p:par>
-        <p:cTn id="1" dur="indefinite" restart="never" nodeType="tmRoot"/>
+        <p:cTn xmlns:p14="http://schemas.microsoft.com/office/powerpoint/2010/main" id="1" dur="indefinite" restart="never" nodeType="tmRoot"/>
       </p:par>
     </p:tnLst>
   </p:timing>
@@ -15055,15 +15044,7 @@
           <a:p>
             <a:r>
               <a:rPr lang="de-DE" dirty="0" smtClean="0"/>
-              <a:t>Was </a:t>
-            </a:r>
-            <a:r>
-              <a:rPr lang="de-DE" dirty="0" smtClean="0"/>
-              <a:t>war die </a:t>
-            </a:r>
-            <a:r>
-              <a:rPr lang="de-DE" dirty="0" smtClean="0"/>
-              <a:t>Grundidee?</a:t>
+              <a:t>Was war die Grundidee?</a:t>
             </a:r>
             <a:endParaRPr lang="de-DE" dirty="0"/>
           </a:p>
@@ -15126,7 +15107,7 @@
   <p:timing>
     <p:tnLst>
       <p:par>
-        <p:cTn id="1" dur="indefinite" restart="never" nodeType="tmRoot"/>
+        <p:cTn xmlns:p14="http://schemas.microsoft.com/office/powerpoint/2010/main" id="1" dur="indefinite" restart="never" nodeType="tmRoot"/>
       </p:par>
     </p:tnLst>
   </p:timing>
@@ -15280,8 +15261,13 @@
           <a:p>
             <a:r>
               <a:rPr lang="de-DE" dirty="0" smtClean="0"/>
-              <a:t>Kontakte haben Email-Adresse</a:t>
+              <a:t>Kontakte haben Email-</a:t>
             </a:r>
+            <a:r>
+              <a:rPr lang="de-DE" dirty="0" smtClean="0"/>
+              <a:t>Adresse, Name, Vorname</a:t>
+            </a:r>
+            <a:endParaRPr lang="de-DE" dirty="0" smtClean="0"/>
           </a:p>
           <a:p>
             <a:r>
@@ -15387,7 +15373,7 @@
   <p:timing>
     <p:tnLst>
       <p:par>
-        <p:cTn id="1" dur="indefinite" restart="never" nodeType="tmRoot"/>
+        <p:cTn xmlns:p14="http://schemas.microsoft.com/office/powerpoint/2010/main" id="1" dur="indefinite" restart="never" nodeType="tmRoot"/>
       </p:par>
     </p:tnLst>
   </p:timing>
@@ -15586,14 +15572,14 @@
           </a:ln>
           <a:effectLst/>
           <a:extLst>
-            <a:ext uri="{909E8E84-426E-40DD-AFC4-6F175D3DCCD1}">
+            <a:ext uri="{909E8E84-426E-40dd-AFC4-6F175D3DCCD1}">
               <a14:hiddenFill xmlns:a14="http://schemas.microsoft.com/office/drawing/2010/main">
                 <a:solidFill>
                   <a:schemeClr val="accent1"/>
                 </a:solidFill>
               </a14:hiddenFill>
             </a:ext>
-            <a:ext uri="{91240B29-F687-4F45-9708-019B960494DF}">
+            <a:ext uri="{91240B29-F687-4f45-9708-019B960494DF}">
               <a14:hiddenLine xmlns:a14="http://schemas.microsoft.com/office/drawing/2010/main" w="9525">
                 <a:solidFill>
                   <a:schemeClr val="tx1"/>
@@ -15603,7 +15589,7 @@
                 <a:tailEnd/>
               </a14:hiddenLine>
             </a:ext>
-            <a:ext uri="{AF507438-7753-43E0-B8FC-AC1667EBCBE1}">
+            <a:ext uri="{AF507438-7753-43e0-B8FC-AC1667EBCBE1}">
               <a14:hiddenEffects xmlns:a14="http://schemas.microsoft.com/office/drawing/2010/main">
                 <a:effectLst>
                   <a:outerShdw dist="35921" dir="2700000" algn="ctr" rotWithShape="0">
@@ -15660,7 +15646,7 @@
   <p:timing>
     <p:tnLst>
       <p:par>
-        <p:cTn id="1" dur="indefinite" restart="never" nodeType="tmRoot"/>
+        <p:cTn xmlns:p14="http://schemas.microsoft.com/office/powerpoint/2010/main" id="1" dur="indefinite" restart="never" nodeType="tmRoot"/>
       </p:par>
     </p:tnLst>
   </p:timing>

--- a/projectmanagement/presentations/3_Auto-B-Day_Endpraesentation.pptx
+++ b/projectmanagement/presentations/3_Auto-B-Day_Endpraesentation.pptx
@@ -11,16 +11,15 @@
     <p:sldId id="262" r:id="rId5"/>
     <p:sldId id="267" r:id="rId6"/>
     <p:sldId id="268" r:id="rId7"/>
-    <p:sldId id="263" r:id="rId8"/>
+    <p:sldId id="272" r:id="rId8"/>
     <p:sldId id="266" r:id="rId9"/>
     <p:sldId id="264" r:id="rId10"/>
-    <p:sldId id="265" r:id="rId11"/>
-    <p:sldId id="270" r:id="rId12"/>
-    <p:sldId id="271" r:id="rId13"/>
+    <p:sldId id="270" r:id="rId11"/>
+    <p:sldId id="271" r:id="rId12"/>
+    <p:sldId id="265" r:id="rId13"/>
     <p:sldId id="269" r:id="rId14"/>
-    <p:sldId id="272" r:id="rId15"/>
-    <p:sldId id="273" r:id="rId16"/>
-    <p:sldId id="259" r:id="rId17"/>
+    <p:sldId id="273" r:id="rId15"/>
+    <p:sldId id="259" r:id="rId16"/>
   </p:sldIdLst>
   <p:sldSz cx="9144000" cy="6858000" type="screen4x3"/>
   <p:notesSz cx="6858000" cy="9144000"/>
@@ -2879,7 +2878,7 @@
           <a:p>
             <a:fld id="{E79B2E80-2F6A-4DA4-B3C0-41493247AAD8}" type="datetimeFigureOut">
               <a:rPr lang="de-DE" smtClean="0"/>
-              <a:t>29.01.12</a:t>
+              <a:t>02.02.12</a:t>
             </a:fld>
             <a:endParaRPr lang="de-DE"/>
           </a:p>
@@ -3164,7 +3163,7 @@
           <a:p>
             <a:fld id="{E79B2E80-2F6A-4DA4-B3C0-41493247AAD8}" type="datetimeFigureOut">
               <a:rPr lang="de-DE" smtClean="0"/>
-              <a:t>29.01.12</a:t>
+              <a:t>02.02.12</a:t>
             </a:fld>
             <a:endParaRPr lang="de-DE"/>
           </a:p>
@@ -3339,7 +3338,7 @@
           <a:p>
             <a:fld id="{E79B2E80-2F6A-4DA4-B3C0-41493247AAD8}" type="datetimeFigureOut">
               <a:rPr lang="de-DE" smtClean="0"/>
-              <a:t>29.01.12</a:t>
+              <a:t>02.02.12</a:t>
             </a:fld>
             <a:endParaRPr lang="de-DE"/>
           </a:p>
@@ -3504,7 +3503,7 @@
           <a:p>
             <a:fld id="{E79B2E80-2F6A-4DA4-B3C0-41493247AAD8}" type="datetimeFigureOut">
               <a:rPr lang="de-DE" smtClean="0"/>
-              <a:t>29.01.12</a:t>
+              <a:t>02.02.12</a:t>
             </a:fld>
             <a:endParaRPr lang="de-DE"/>
           </a:p>
@@ -3745,7 +3744,7 @@
           <a:p>
             <a:fld id="{E79B2E80-2F6A-4DA4-B3C0-41493247AAD8}" type="datetimeFigureOut">
               <a:rPr lang="de-DE" smtClean="0"/>
-              <a:t>29.01.12</a:t>
+              <a:t>02.02.12</a:t>
             </a:fld>
             <a:endParaRPr lang="de-DE"/>
           </a:p>
@@ -3858,7 +3857,7 @@
           <a:p>
             <a:fld id="{E79B2E80-2F6A-4DA4-B3C0-41493247AAD8}" type="datetimeFigureOut">
               <a:rPr lang="de-DE" smtClean="0"/>
-              <a:t>29.01.12</a:t>
+              <a:t>02.02.12</a:t>
             </a:fld>
             <a:endParaRPr lang="de-DE"/>
           </a:p>
@@ -4397,7 +4396,7 @@
           <a:p>
             <a:fld id="{E79B2E80-2F6A-4DA4-B3C0-41493247AAD8}" type="datetimeFigureOut">
               <a:rPr lang="de-DE" smtClean="0"/>
-              <a:t>29.01.12</a:t>
+              <a:t>02.02.12</a:t>
             </a:fld>
             <a:endParaRPr lang="de-DE"/>
           </a:p>
@@ -4510,7 +4509,7 @@
           <a:p>
             <a:fld id="{E79B2E80-2F6A-4DA4-B3C0-41493247AAD8}" type="datetimeFigureOut">
               <a:rPr lang="de-DE" smtClean="0"/>
-              <a:t>29.01.12</a:t>
+              <a:t>02.02.12</a:t>
             </a:fld>
             <a:endParaRPr lang="de-DE"/>
           </a:p>
@@ -4600,7 +4599,7 @@
           <a:p>
             <a:fld id="{E79B2E80-2F6A-4DA4-B3C0-41493247AAD8}" type="datetimeFigureOut">
               <a:rPr lang="de-DE" smtClean="0"/>
-              <a:t>29.01.12</a:t>
+              <a:t>02.02.12</a:t>
             </a:fld>
             <a:endParaRPr lang="de-DE"/>
           </a:p>
@@ -7251,7 +7250,7 @@
           <a:p>
             <a:fld id="{E79B2E80-2F6A-4DA4-B3C0-41493247AAD8}" type="datetimeFigureOut">
               <a:rPr lang="de-DE" smtClean="0"/>
-              <a:t>29.01.12</a:t>
+              <a:t>02.02.12</a:t>
             </a:fld>
             <a:endParaRPr lang="de-DE"/>
           </a:p>
@@ -10463,7 +10462,7 @@
           <a:p>
             <a:fld id="{E79B2E80-2F6A-4DA4-B3C0-41493247AAD8}" type="datetimeFigureOut">
               <a:rPr lang="de-DE" smtClean="0"/>
-              <a:t>29.01.12</a:t>
+              <a:t>02.02.12</a:t>
             </a:fld>
             <a:endParaRPr lang="de-DE"/>
           </a:p>
@@ -13285,7 +13284,7 @@
           <a:p>
             <a:fld id="{E79B2E80-2F6A-4DA4-B3C0-41493247AAD8}" type="datetimeFigureOut">
               <a:rPr lang="de-DE" smtClean="0"/>
-              <a:t>29.01.12</a:t>
+              <a:t>02.02.12</a:t>
             </a:fld>
             <a:endParaRPr lang="de-DE"/>
           </a:p>
@@ -13931,6 +13930,191 @@
         </p:nvSpPr>
         <p:spPr>
           <a:xfrm>
+            <a:off x="1043608" y="332656"/>
+            <a:ext cx="7024744" cy="1143000"/>
+          </a:xfrm>
+        </p:spPr>
+        <p:txBody>
+          <a:bodyPr/>
+          <a:lstStyle/>
+          <a:p>
+            <a:r>
+              <a:rPr lang="de-DE" dirty="0" smtClean="0"/>
+              <a:t>Schichten</a:t>
+            </a:r>
+            <a:endParaRPr lang="de-DE" dirty="0"/>
+          </a:p>
+        </p:txBody>
+      </p:sp>
+      <p:pic>
+        <p:nvPicPr>
+          <p:cNvPr id="4" name="Grafik 3"/>
+          <p:cNvPicPr/>
+          <p:nvPr/>
+        </p:nvPicPr>
+        <p:blipFill>
+          <a:blip r:embed="rId2"/>
+          <a:stretch>
+            <a:fillRect/>
+          </a:stretch>
+        </p:blipFill>
+        <p:spPr>
+          <a:xfrm>
+            <a:off x="1703638" y="1772816"/>
+            <a:ext cx="5759450" cy="4319270"/>
+          </a:xfrm>
+          <a:prstGeom prst="rect">
+            <a:avLst/>
+          </a:prstGeom>
+        </p:spPr>
+      </p:pic>
+    </p:spTree>
+    <p:extLst>
+      <p:ext uri="{BB962C8B-B14F-4D97-AF65-F5344CB8AC3E}">
+        <p14:creationId xmlns:p14="http://schemas.microsoft.com/office/powerpoint/2010/main" val="3916185400"/>
+      </p:ext>
+    </p:extLst>
+  </p:cSld>
+  <p:clrMapOvr>
+    <a:masterClrMapping/>
+  </p:clrMapOvr>
+  <p:timing>
+    <p:tnLst>
+      <p:par>
+        <p:cTn xmlns:p14="http://schemas.microsoft.com/office/powerpoint/2010/main" id="1" dur="indefinite" restart="never" nodeType="tmRoot"/>
+      </p:par>
+    </p:tnLst>
+  </p:timing>
+</p:sld>
+</file>
+
+<file path=ppt/slides/slide11.xml><?xml version="1.0" encoding="utf-8"?>
+<p:sld xmlns:a="http://schemas.openxmlformats.org/drawingml/2006/main" xmlns:r="http://schemas.openxmlformats.org/officeDocument/2006/relationships" xmlns:p="http://schemas.openxmlformats.org/presentationml/2006/main">
+  <p:cSld>
+    <p:spTree>
+      <p:nvGrpSpPr>
+        <p:cNvPr id="1" name=""/>
+        <p:cNvGrpSpPr/>
+        <p:nvPr/>
+      </p:nvGrpSpPr>
+      <p:grpSpPr>
+        <a:xfrm>
+          <a:off x="0" y="0"/>
+          <a:ext cx="0" cy="0"/>
+          <a:chOff x="0" y="0"/>
+          <a:chExt cx="0" cy="0"/>
+        </a:xfrm>
+      </p:grpSpPr>
+      <p:sp>
+        <p:nvSpPr>
+          <p:cNvPr id="2" name="Titel 1"/>
+          <p:cNvSpPr>
+            <a:spLocks noGrp="1"/>
+          </p:cNvSpPr>
+          <p:nvPr>
+            <p:ph type="title"/>
+          </p:nvPr>
+        </p:nvSpPr>
+        <p:spPr>
+          <a:xfrm>
+            <a:off x="1043608" y="692696"/>
+            <a:ext cx="7024744" cy="782960"/>
+          </a:xfrm>
+        </p:spPr>
+        <p:txBody>
+          <a:bodyPr/>
+          <a:lstStyle/>
+          <a:p>
+            <a:r>
+              <a:rPr lang="de-DE" dirty="0" smtClean="0"/>
+              <a:t>Interaktion mit Google</a:t>
+            </a:r>
+            <a:endParaRPr lang="de-DE" dirty="0"/>
+          </a:p>
+        </p:txBody>
+      </p:sp>
+      <p:pic>
+        <p:nvPicPr>
+          <p:cNvPr id="4" name="Bild 1" descr="Macintosh HD:Users:MacYser:Documents:NetBeansWorkspace:Auto-B-Day:projectmanagement:diagrams:Google:google.png"/>
+          <p:cNvPicPr/>
+          <p:nvPr/>
+        </p:nvPicPr>
+        <p:blipFill>
+          <a:blip r:embed="rId2">
+            <a:extLst>
+              <a:ext uri="{28A0092B-C50C-407E-A947-70E740481C1C}">
+                <a14:useLocalDpi xmlns:a14="http://schemas.microsoft.com/office/drawing/2010/main" val="0"/>
+              </a:ext>
+            </a:extLst>
+          </a:blip>
+          <a:srcRect/>
+          <a:stretch>
+            <a:fillRect/>
+          </a:stretch>
+        </p:blipFill>
+        <p:spPr bwMode="auto">
+          <a:xfrm>
+            <a:off x="1619672" y="1556792"/>
+            <a:ext cx="5758180" cy="4472305"/>
+          </a:xfrm>
+          <a:prstGeom prst="rect">
+            <a:avLst/>
+          </a:prstGeom>
+          <a:noFill/>
+          <a:ln>
+            <a:noFill/>
+          </a:ln>
+        </p:spPr>
+      </p:pic>
+    </p:spTree>
+    <p:extLst>
+      <p:ext uri="{BB962C8B-B14F-4D97-AF65-F5344CB8AC3E}">
+        <p14:creationId xmlns:p14="http://schemas.microsoft.com/office/powerpoint/2010/main" val="2536870007"/>
+      </p:ext>
+    </p:extLst>
+  </p:cSld>
+  <p:clrMapOvr>
+    <a:masterClrMapping/>
+  </p:clrMapOvr>
+  <p:timing>
+    <p:tnLst>
+      <p:par>
+        <p:cTn xmlns:p14="http://schemas.microsoft.com/office/powerpoint/2010/main" id="1" dur="indefinite" restart="never" nodeType="tmRoot"/>
+      </p:par>
+    </p:tnLst>
+  </p:timing>
+</p:sld>
+</file>
+
+<file path=ppt/slides/slide12.xml><?xml version="1.0" encoding="utf-8"?>
+<p:sld xmlns:a="http://schemas.openxmlformats.org/drawingml/2006/main" xmlns:r="http://schemas.openxmlformats.org/officeDocument/2006/relationships" xmlns:p="http://schemas.openxmlformats.org/presentationml/2006/main">
+  <p:cSld>
+    <p:spTree>
+      <p:nvGrpSpPr>
+        <p:cNvPr id="1" name=""/>
+        <p:cNvGrpSpPr/>
+        <p:nvPr/>
+      </p:nvGrpSpPr>
+      <p:grpSpPr>
+        <a:xfrm>
+          <a:off x="0" y="0"/>
+          <a:ext cx="0" cy="0"/>
+          <a:chOff x="0" y="0"/>
+          <a:chExt cx="0" cy="0"/>
+        </a:xfrm>
+      </p:grpSpPr>
+      <p:sp>
+        <p:nvSpPr>
+          <p:cNvPr id="2" name="Titel 1"/>
+          <p:cNvSpPr>
+            <a:spLocks noGrp="1"/>
+          </p:cNvSpPr>
+          <p:nvPr>
+            <p:ph type="title"/>
+          </p:nvPr>
+        </p:nvSpPr>
+        <p:spPr>
+          <a:xfrm>
             <a:off x="1043608" y="620688"/>
             <a:ext cx="7024744" cy="854968"/>
           </a:xfrm>
@@ -14031,7 +14215,7 @@
 </p:sld>
 </file>
 
-<file path=ppt/slides/slide11.xml><?xml version="1.0" encoding="utf-8"?>
+<file path=ppt/slides/slide13.xml><?xml version="1.0" encoding="utf-8"?>
 <p:sld xmlns:a="http://schemas.openxmlformats.org/drawingml/2006/main" xmlns:r="http://schemas.openxmlformats.org/officeDocument/2006/relationships" xmlns:p="http://schemas.openxmlformats.org/presentationml/2006/main">
   <p:cSld>
     <p:spTree>
@@ -14060,190 +14244,10 @@
         </p:nvSpPr>
         <p:spPr>
           <a:xfrm>
-            <a:off x="1043608" y="332656"/>
-            <a:ext cx="7024744" cy="1143000"/>
+            <a:off x="539552" y="332656"/>
+            <a:ext cx="8136904" cy="1143000"/>
           </a:xfrm>
         </p:spPr>
-        <p:txBody>
-          <a:bodyPr/>
-          <a:lstStyle/>
-          <a:p>
-            <a:r>
-              <a:rPr lang="de-DE" dirty="0" smtClean="0"/>
-              <a:t>Schichten</a:t>
-            </a:r>
-            <a:endParaRPr lang="de-DE" dirty="0"/>
-          </a:p>
-        </p:txBody>
-      </p:sp>
-      <p:pic>
-        <p:nvPicPr>
-          <p:cNvPr id="4" name="Grafik 3"/>
-          <p:cNvPicPr/>
-          <p:nvPr/>
-        </p:nvPicPr>
-        <p:blipFill>
-          <a:blip r:embed="rId2"/>
-          <a:stretch>
-            <a:fillRect/>
-          </a:stretch>
-        </p:blipFill>
-        <p:spPr>
-          <a:xfrm>
-            <a:off x="1703638" y="1772816"/>
-            <a:ext cx="5759450" cy="4319270"/>
-          </a:xfrm>
-          <a:prstGeom prst="rect">
-            <a:avLst/>
-          </a:prstGeom>
-        </p:spPr>
-      </p:pic>
-    </p:spTree>
-    <p:extLst>
-      <p:ext uri="{BB962C8B-B14F-4D97-AF65-F5344CB8AC3E}">
-        <p14:creationId xmlns:p14="http://schemas.microsoft.com/office/powerpoint/2010/main" val="3916185400"/>
-      </p:ext>
-    </p:extLst>
-  </p:cSld>
-  <p:clrMapOvr>
-    <a:masterClrMapping/>
-  </p:clrMapOvr>
-  <p:timing>
-    <p:tnLst>
-      <p:par>
-        <p:cTn xmlns:p14="http://schemas.microsoft.com/office/powerpoint/2010/main" id="1" dur="indefinite" restart="never" nodeType="tmRoot"/>
-      </p:par>
-    </p:tnLst>
-  </p:timing>
-</p:sld>
-</file>
-
-<file path=ppt/slides/slide12.xml><?xml version="1.0" encoding="utf-8"?>
-<p:sld xmlns:a="http://schemas.openxmlformats.org/drawingml/2006/main" xmlns:r="http://schemas.openxmlformats.org/officeDocument/2006/relationships" xmlns:p="http://schemas.openxmlformats.org/presentationml/2006/main">
-  <p:cSld>
-    <p:spTree>
-      <p:nvGrpSpPr>
-        <p:cNvPr id="1" name=""/>
-        <p:cNvGrpSpPr/>
-        <p:nvPr/>
-      </p:nvGrpSpPr>
-      <p:grpSpPr>
-        <a:xfrm>
-          <a:off x="0" y="0"/>
-          <a:ext cx="0" cy="0"/>
-          <a:chOff x="0" y="0"/>
-          <a:chExt cx="0" cy="0"/>
-        </a:xfrm>
-      </p:grpSpPr>
-      <p:sp>
-        <p:nvSpPr>
-          <p:cNvPr id="2" name="Titel 1"/>
-          <p:cNvSpPr>
-            <a:spLocks noGrp="1"/>
-          </p:cNvSpPr>
-          <p:nvPr>
-            <p:ph type="title"/>
-          </p:nvPr>
-        </p:nvSpPr>
-        <p:spPr>
-          <a:xfrm>
-            <a:off x="1043608" y="692696"/>
-            <a:ext cx="7024744" cy="782960"/>
-          </a:xfrm>
-        </p:spPr>
-        <p:txBody>
-          <a:bodyPr/>
-          <a:lstStyle/>
-          <a:p>
-            <a:r>
-              <a:rPr lang="de-DE" dirty="0" smtClean="0"/>
-              <a:t>Interaktion mit Google</a:t>
-            </a:r>
-            <a:endParaRPr lang="de-DE" dirty="0"/>
-          </a:p>
-        </p:txBody>
-      </p:sp>
-      <p:pic>
-        <p:nvPicPr>
-          <p:cNvPr id="4" name="Bild 1" descr="Macintosh HD:Users:MacYser:Documents:NetBeansWorkspace:Auto-B-Day:projectmanagement:diagrams:Google:google.png"/>
-          <p:cNvPicPr/>
-          <p:nvPr/>
-        </p:nvPicPr>
-        <p:blipFill>
-          <a:blip r:embed="rId2">
-            <a:extLst>
-              <a:ext uri="{28A0092B-C50C-407E-A947-70E740481C1C}">
-                <a14:useLocalDpi xmlns:a14="http://schemas.microsoft.com/office/drawing/2010/main" val="0"/>
-              </a:ext>
-            </a:extLst>
-          </a:blip>
-          <a:srcRect/>
-          <a:stretch>
-            <a:fillRect/>
-          </a:stretch>
-        </p:blipFill>
-        <p:spPr bwMode="auto">
-          <a:xfrm>
-            <a:off x="1619672" y="1556792"/>
-            <a:ext cx="5758180" cy="4472305"/>
-          </a:xfrm>
-          <a:prstGeom prst="rect">
-            <a:avLst/>
-          </a:prstGeom>
-          <a:noFill/>
-          <a:ln>
-            <a:noFill/>
-          </a:ln>
-        </p:spPr>
-      </p:pic>
-    </p:spTree>
-    <p:extLst>
-      <p:ext uri="{BB962C8B-B14F-4D97-AF65-F5344CB8AC3E}">
-        <p14:creationId xmlns:p14="http://schemas.microsoft.com/office/powerpoint/2010/main" val="2536870007"/>
-      </p:ext>
-    </p:extLst>
-  </p:cSld>
-  <p:clrMapOvr>
-    <a:masterClrMapping/>
-  </p:clrMapOvr>
-  <p:timing>
-    <p:tnLst>
-      <p:par>
-        <p:cTn xmlns:p14="http://schemas.microsoft.com/office/powerpoint/2010/main" id="1" dur="indefinite" restart="never" nodeType="tmRoot"/>
-      </p:par>
-    </p:tnLst>
-  </p:timing>
-</p:sld>
-</file>
-
-<file path=ppt/slides/slide13.xml><?xml version="1.0" encoding="utf-8"?>
-<p:sld xmlns:a="http://schemas.openxmlformats.org/drawingml/2006/main" xmlns:r="http://schemas.openxmlformats.org/officeDocument/2006/relationships" xmlns:p="http://schemas.openxmlformats.org/presentationml/2006/main">
-  <p:cSld>
-    <p:spTree>
-      <p:nvGrpSpPr>
-        <p:cNvPr id="1" name=""/>
-        <p:cNvGrpSpPr/>
-        <p:nvPr/>
-      </p:nvGrpSpPr>
-      <p:grpSpPr>
-        <a:xfrm>
-          <a:off x="0" y="0"/>
-          <a:ext cx="0" cy="0"/>
-          <a:chOff x="0" y="0"/>
-          <a:chExt cx="0" cy="0"/>
-        </a:xfrm>
-      </p:grpSpPr>
-      <p:sp>
-        <p:nvSpPr>
-          <p:cNvPr id="2" name="Titel 1"/>
-          <p:cNvSpPr>
-            <a:spLocks noGrp="1"/>
-          </p:cNvSpPr>
-          <p:nvPr>
-            <p:ph type="title"/>
-          </p:nvPr>
-        </p:nvSpPr>
-        <p:spPr/>
         <p:txBody>
           <a:bodyPr>
             <a:normAutofit fontScale="90000"/>
@@ -14252,7 +14256,15 @@
           <a:p>
             <a:r>
               <a:rPr lang="de-DE" dirty="0" smtClean="0"/>
-              <a:t>Erfüllte Funktionale Anforderungen?</a:t>
+              <a:t>Erfüllte </a:t>
+            </a:r>
+            <a:r>
+              <a:rPr lang="de-DE" dirty="0" smtClean="0"/>
+              <a:t>Funktionale Anforderungen</a:t>
+            </a:r>
+            <a:r>
+              <a:rPr lang="de-DE" dirty="0" smtClean="0"/>
+              <a:t>?</a:t>
             </a:r>
             <a:endParaRPr lang="de-DE" dirty="0"/>
           </a:p>
@@ -14268,10 +14280,15 @@
             <p:ph idx="1"/>
           </p:nvPr>
         </p:nvSpPr>
-        <p:spPr/>
+        <p:spPr>
+          <a:xfrm>
+            <a:off x="1043492" y="1628800"/>
+            <a:ext cx="7272924" cy="4752528"/>
+          </a:xfrm>
+        </p:spPr>
         <p:txBody>
           <a:bodyPr>
-            <a:normAutofit fontScale="92500"/>
+            <a:normAutofit fontScale="92500" lnSpcReduction="20000"/>
           </a:bodyPr>
           <a:lstStyle/>
           <a:p>
@@ -14279,13 +14296,66 @@
               <a:rPr lang="de-DE" dirty="0" smtClean="0"/>
               <a:t>Login </a:t>
             </a:r>
+            <a:r>
+              <a:rPr lang="de-DE" dirty="0">
+                <a:solidFill>
+                  <a:schemeClr val="accent1">
+                    <a:lumMod val="75000"/>
+                  </a:schemeClr>
+                </a:solidFill>
+                <a:latin typeface="Zapf Dingbats"/>
+                <a:ea typeface="Zapf Dingbats"/>
+                <a:cs typeface="Zapf Dingbats"/>
+              </a:rPr>
+              <a:t>✔</a:t>
+            </a:r>
+            <a:endParaRPr lang="de-DE" dirty="0">
+              <a:solidFill>
+                <a:schemeClr val="accent1">
+                  <a:lumMod val="75000"/>
+                </a:schemeClr>
+              </a:solidFill>
+            </a:endParaRPr>
+          </a:p>
+          <a:p>
+            <a:r>
+              <a:rPr lang="de-DE" dirty="0" smtClean="0"/>
+              <a:t>Auslesen der Google-Kontakte </a:t>
+            </a:r>
+            <a:r>
+              <a:rPr lang="de-DE" dirty="0" smtClean="0">
+                <a:solidFill>
+                  <a:schemeClr val="accent1">
+                    <a:lumMod val="75000"/>
+                  </a:schemeClr>
+                </a:solidFill>
+                <a:latin typeface="Zapf Dingbats"/>
+                <a:ea typeface="Zapf Dingbats"/>
+                <a:cs typeface="Zapf Dingbats"/>
+              </a:rPr>
+              <a:t>✔</a:t>
+            </a:r>
+            <a:endParaRPr lang="de-DE" dirty="0" smtClean="0"/>
+          </a:p>
+          <a:p>
+            <a:r>
+              <a:rPr lang="de-DE" dirty="0" smtClean="0"/>
+              <a:t>Übersicht Gruppen </a:t>
+            </a:r>
+            <a:r>
+              <a:rPr lang="de-DE" dirty="0" smtClean="0">
+                <a:solidFill>
+                  <a:schemeClr val="accent1">
+                    <a:lumMod val="75000"/>
+                  </a:schemeClr>
+                </a:solidFill>
+                <a:latin typeface="Zapf Dingbats"/>
+                <a:ea typeface="Zapf Dingbats"/>
+                <a:cs typeface="Zapf Dingbats"/>
+              </a:rPr>
+              <a:t>✔</a:t>
+            </a:r>
             <a:endParaRPr lang="de-DE" dirty="0"/>
-          </a:p>
-          <a:p>
-            <a:r>
-              <a:rPr lang="de-DE" dirty="0" smtClean="0"/>
-              <a:t>Auslesen der Google-Kontakte</a:t>
-            </a:r>
           </a:p>
           <a:p>
             <a:r>
@@ -14293,27 +14363,71 @@
               <a:t>Übersicht </a:t>
             </a:r>
             <a:r>
+              <a:rPr lang="de-DE" dirty="0" smtClean="0"/>
+              <a:t>Kontakte </a:t>
+            </a:r>
+            <a:r>
+              <a:rPr lang="de-DE" dirty="0" smtClean="0">
+                <a:solidFill>
+                  <a:schemeClr val="accent1">
+                    <a:lumMod val="75000"/>
+                  </a:schemeClr>
+                </a:solidFill>
+                <a:latin typeface="Zapf Dingbats"/>
+                <a:ea typeface="Zapf Dingbats"/>
+                <a:cs typeface="Zapf Dingbats"/>
+              </a:rPr>
+              <a:t>✔</a:t>
+            </a:r>
+            <a:endParaRPr lang="de-DE" dirty="0" smtClean="0"/>
+          </a:p>
+          <a:p>
+            <a:r>
+              <a:rPr lang="de-DE" dirty="0" smtClean="0"/>
+              <a:t>Kontaktdetails </a:t>
+            </a:r>
+            <a:r>
+              <a:rPr lang="de-DE" dirty="0" smtClean="0"/>
+              <a:t>anzeigen </a:t>
+            </a:r>
+            <a:r>
+              <a:rPr lang="de-DE" dirty="0" smtClean="0">
+                <a:solidFill>
+                  <a:schemeClr val="accent1">
+                    <a:lumMod val="75000"/>
+                  </a:schemeClr>
+                </a:solidFill>
+                <a:latin typeface="Zapf Dingbats"/>
+                <a:ea typeface="Zapf Dingbats"/>
+                <a:cs typeface="Zapf Dingbats"/>
+              </a:rPr>
+              <a:t>✔</a:t>
+            </a:r>
+            <a:endParaRPr lang="de-DE" dirty="0" smtClean="0"/>
+          </a:p>
+          <a:p>
+            <a:r>
               <a:rPr lang="de-DE" dirty="0"/>
-              <a:t>Gruppen</a:t>
-            </a:r>
-          </a:p>
-          <a:p>
+              <a:t>Verschiedene Templates für </a:t>
+            </a:r>
             <a:r>
               <a:rPr lang="de-DE" dirty="0" smtClean="0"/>
-              <a:t>Übersicht Kontakte</a:t>
-            </a:r>
-          </a:p>
-          <a:p>
-            <a:r>
-              <a:rPr lang="de-DE" dirty="0" smtClean="0"/>
-              <a:t>Kontaktdetails anzeigen</a:t>
-            </a:r>
-          </a:p>
-          <a:p>
-            <a:r>
-              <a:rPr lang="de-DE" dirty="0"/>
-              <a:t>Verschiedene Templates für Gruppen</a:t>
-            </a:r>
+              <a:t>Gruppen </a:t>
+            </a:r>
+            <a:r>
+              <a:rPr lang="de-DE" dirty="0" smtClean="0">
+                <a:solidFill>
+                  <a:schemeClr val="accent1">
+                    <a:lumMod val="75000"/>
+                  </a:schemeClr>
+                </a:solidFill>
+                <a:latin typeface="Zapf Dingbats"/>
+                <a:ea typeface="Zapf Dingbats"/>
+                <a:cs typeface="Zapf Dingbats"/>
+              </a:rPr>
+              <a:t>✔</a:t>
+            </a:r>
+            <a:endParaRPr lang="de-DE" dirty="0"/>
           </a:p>
           <a:p>
             <a:r>
@@ -14326,20 +14440,96 @@
             </a:r>
             <a:r>
               <a:rPr lang="de-DE" dirty="0"/>
-              <a:t>der Grüße</a:t>
-            </a:r>
-          </a:p>
-          <a:p>
+              <a:t>der </a:t>
+            </a:r>
             <a:r>
               <a:rPr lang="de-DE" dirty="0" smtClean="0"/>
-              <a:t>Optionen (Passwort ändern etc.)</a:t>
-            </a:r>
+              <a:t>Grüße </a:t>
+            </a:r>
+            <a:r>
+              <a:rPr lang="de-DE" dirty="0" smtClean="0">
+                <a:solidFill>
+                  <a:schemeClr val="accent1">
+                    <a:lumMod val="75000"/>
+                  </a:schemeClr>
+                </a:solidFill>
+                <a:latin typeface="Zapf Dingbats"/>
+                <a:ea typeface="Zapf Dingbats"/>
+                <a:cs typeface="Zapf Dingbats"/>
+              </a:rPr>
+              <a:t>✔</a:t>
+            </a:r>
+            <a:endParaRPr lang="de-DE" dirty="0"/>
+          </a:p>
+          <a:p>
+            <a:r>
+              <a:rPr lang="de-DE" dirty="0" smtClean="0"/>
+              <a:t>Optionen (Passwort ändern etc.</a:t>
+            </a:r>
+            <a:r>
+              <a:rPr lang="de-DE" dirty="0" smtClean="0"/>
+              <a:t>)</a:t>
+            </a:r>
+            <a:r>
+              <a:rPr lang="de-DE" dirty="0">
+                <a:solidFill>
+                  <a:schemeClr val="accent1">
+                    <a:lumMod val="75000"/>
+                  </a:schemeClr>
+                </a:solidFill>
+                <a:latin typeface="Zapf Dingbats"/>
+                <a:ea typeface="Zapf Dingbats"/>
+                <a:cs typeface="Zapf Dingbats"/>
+              </a:rPr>
+              <a:t> ✔</a:t>
+            </a:r>
+            <a:endParaRPr lang="de-DE" dirty="0" smtClean="0"/>
           </a:p>
           <a:p>
             <a:pPr marL="68580" indent="0">
               <a:buNone/>
             </a:pPr>
             <a:endParaRPr lang="de-DE" dirty="0" smtClean="0"/>
+          </a:p>
+          <a:p>
+            <a:r>
+              <a:rPr lang="de-DE" dirty="0" smtClean="0"/>
+              <a:t>Update des Google-Accounts</a:t>
+            </a:r>
+            <a:endParaRPr lang="de-DE" dirty="0" smtClean="0">
+              <a:solidFill>
+                <a:schemeClr val="accent1">
+                  <a:lumMod val="75000"/>
+                </a:schemeClr>
+              </a:solidFill>
+              <a:latin typeface="Zapf Dingbats"/>
+              <a:ea typeface="Zapf Dingbats"/>
+              <a:cs typeface="Zapf Dingbats"/>
+            </a:endParaRPr>
+          </a:p>
+          <a:p>
+            <a:r>
+              <a:rPr lang="de-DE" dirty="0" smtClean="0"/>
+              <a:t>Listen filtern im GUI</a:t>
+            </a:r>
+          </a:p>
+          <a:p>
+            <a:r>
+              <a:rPr lang="de-DE" dirty="0" smtClean="0"/>
+              <a:t>Templates testen</a:t>
+            </a:r>
+          </a:p>
+          <a:p>
+            <a:r>
+              <a:rPr lang="de-DE" dirty="0" smtClean="0"/>
+              <a:t>Geburtstagsübersicht für Account(Schedule)</a:t>
+            </a:r>
+          </a:p>
+          <a:p>
+            <a:r>
+              <a:rPr lang="de-DE" dirty="0" smtClean="0"/>
+              <a:t>Neues Passwort per Mail, wenn vergessen</a:t>
+            </a:r>
           </a:p>
           <a:p>
             <a:endParaRPr lang="de-DE" dirty="0"/>
@@ -14359,7 +14549,997 @@
   <p:timing>
     <p:tnLst>
       <p:par>
-        <p:cTn xmlns:p14="http://schemas.microsoft.com/office/powerpoint/2010/main" id="1" dur="indefinite" restart="never" nodeType="tmRoot"/>
+        <p:cTn xmlns:p14="http://schemas.microsoft.com/office/powerpoint/2010/main" id="1" dur="indefinite" restart="never" nodeType="tmRoot">
+          <p:childTnLst>
+            <p:seq concurrent="1" nextAc="seek">
+              <p:cTn id="2" dur="indefinite" nodeType="mainSeq">
+                <p:childTnLst>
+                  <p:par>
+                    <p:cTn id="3" fill="hold">
+                      <p:stCondLst>
+                        <p:cond delay="indefinite"/>
+                      </p:stCondLst>
+                      <p:childTnLst>
+                        <p:par>
+                          <p:cTn id="4" fill="hold">
+                            <p:stCondLst>
+                              <p:cond delay="0"/>
+                            </p:stCondLst>
+                            <p:childTnLst>
+                              <p:par>
+                                <p:cTn id="5" presetID="1" presetClass="entr" presetSubtype="0" fill="hold" nodeType="clickEffect">
+                                  <p:stCondLst>
+                                    <p:cond delay="0"/>
+                                  </p:stCondLst>
+                                  <p:childTnLst>
+                                    <p:set>
+                                      <p:cBhvr>
+                                        <p:cTn id="6" dur="1" fill="hold">
+                                          <p:stCondLst>
+                                            <p:cond delay="0"/>
+                                          </p:stCondLst>
+                                        </p:cTn>
+                                        <p:tgtEl>
+                                          <p:spTgt spid="3">
+                                            <p:txEl>
+                                              <p:pRg st="0" end="0"/>
+                                            </p:txEl>
+                                          </p:spTgt>
+                                        </p:tgtEl>
+                                        <p:attrNameLst>
+                                          <p:attrName>style.visibility</p:attrName>
+                                        </p:attrNameLst>
+                                      </p:cBhvr>
+                                      <p:to>
+                                        <p:strVal val="visible"/>
+                                      </p:to>
+                                    </p:set>
+                                  </p:childTnLst>
+                                </p:cTn>
+                              </p:par>
+                            </p:childTnLst>
+                          </p:cTn>
+                        </p:par>
+                      </p:childTnLst>
+                    </p:cTn>
+                  </p:par>
+                  <p:par>
+                    <p:cTn id="7" fill="hold">
+                      <p:stCondLst>
+                        <p:cond delay="indefinite"/>
+                      </p:stCondLst>
+                      <p:childTnLst>
+                        <p:par>
+                          <p:cTn id="8" fill="hold">
+                            <p:stCondLst>
+                              <p:cond delay="0"/>
+                            </p:stCondLst>
+                            <p:childTnLst>
+                              <p:par>
+                                <p:cTn id="9" presetID="1" presetClass="entr" presetSubtype="0" fill="hold" nodeType="clickEffect">
+                                  <p:stCondLst>
+                                    <p:cond delay="0"/>
+                                  </p:stCondLst>
+                                  <p:childTnLst>
+                                    <p:set>
+                                      <p:cBhvr>
+                                        <p:cTn id="10" dur="1" fill="hold">
+                                          <p:stCondLst>
+                                            <p:cond delay="0"/>
+                                          </p:stCondLst>
+                                        </p:cTn>
+                                        <p:tgtEl>
+                                          <p:spTgt spid="3">
+                                            <p:txEl>
+                                              <p:pRg st="1" end="1"/>
+                                            </p:txEl>
+                                          </p:spTgt>
+                                        </p:tgtEl>
+                                        <p:attrNameLst>
+                                          <p:attrName>style.visibility</p:attrName>
+                                        </p:attrNameLst>
+                                      </p:cBhvr>
+                                      <p:to>
+                                        <p:strVal val="visible"/>
+                                      </p:to>
+                                    </p:set>
+                                  </p:childTnLst>
+                                </p:cTn>
+                              </p:par>
+                            </p:childTnLst>
+                          </p:cTn>
+                        </p:par>
+                      </p:childTnLst>
+                    </p:cTn>
+                  </p:par>
+                  <p:par>
+                    <p:cTn id="11" fill="hold">
+                      <p:stCondLst>
+                        <p:cond delay="indefinite"/>
+                      </p:stCondLst>
+                      <p:childTnLst>
+                        <p:par>
+                          <p:cTn id="12" fill="hold">
+                            <p:stCondLst>
+                              <p:cond delay="0"/>
+                            </p:stCondLst>
+                            <p:childTnLst>
+                              <p:par>
+                                <p:cTn id="13" presetID="1" presetClass="entr" presetSubtype="0" fill="hold" nodeType="clickEffect">
+                                  <p:stCondLst>
+                                    <p:cond delay="0"/>
+                                  </p:stCondLst>
+                                  <p:childTnLst>
+                                    <p:set>
+                                      <p:cBhvr>
+                                        <p:cTn id="14" dur="1" fill="hold">
+                                          <p:stCondLst>
+                                            <p:cond delay="0"/>
+                                          </p:stCondLst>
+                                        </p:cTn>
+                                        <p:tgtEl>
+                                          <p:spTgt spid="3">
+                                            <p:txEl>
+                                              <p:pRg st="2" end="2"/>
+                                            </p:txEl>
+                                          </p:spTgt>
+                                        </p:tgtEl>
+                                        <p:attrNameLst>
+                                          <p:attrName>style.visibility</p:attrName>
+                                        </p:attrNameLst>
+                                      </p:cBhvr>
+                                      <p:to>
+                                        <p:strVal val="visible"/>
+                                      </p:to>
+                                    </p:set>
+                                  </p:childTnLst>
+                                </p:cTn>
+                              </p:par>
+                            </p:childTnLst>
+                          </p:cTn>
+                        </p:par>
+                      </p:childTnLst>
+                    </p:cTn>
+                  </p:par>
+                  <p:par>
+                    <p:cTn id="15" fill="hold">
+                      <p:stCondLst>
+                        <p:cond delay="indefinite"/>
+                      </p:stCondLst>
+                      <p:childTnLst>
+                        <p:par>
+                          <p:cTn id="16" fill="hold">
+                            <p:stCondLst>
+                              <p:cond delay="0"/>
+                            </p:stCondLst>
+                            <p:childTnLst>
+                              <p:par>
+                                <p:cTn id="17" presetID="1" presetClass="entr" presetSubtype="0" fill="hold" nodeType="clickEffect">
+                                  <p:stCondLst>
+                                    <p:cond delay="0"/>
+                                  </p:stCondLst>
+                                  <p:childTnLst>
+                                    <p:set>
+                                      <p:cBhvr>
+                                        <p:cTn id="18" dur="1" fill="hold">
+                                          <p:stCondLst>
+                                            <p:cond delay="0"/>
+                                          </p:stCondLst>
+                                        </p:cTn>
+                                        <p:tgtEl>
+                                          <p:spTgt spid="3">
+                                            <p:txEl>
+                                              <p:pRg st="3" end="3"/>
+                                            </p:txEl>
+                                          </p:spTgt>
+                                        </p:tgtEl>
+                                        <p:attrNameLst>
+                                          <p:attrName>style.visibility</p:attrName>
+                                        </p:attrNameLst>
+                                      </p:cBhvr>
+                                      <p:to>
+                                        <p:strVal val="visible"/>
+                                      </p:to>
+                                    </p:set>
+                                  </p:childTnLst>
+                                </p:cTn>
+                              </p:par>
+                            </p:childTnLst>
+                          </p:cTn>
+                        </p:par>
+                      </p:childTnLst>
+                    </p:cTn>
+                  </p:par>
+                  <p:par>
+                    <p:cTn id="19" fill="hold">
+                      <p:stCondLst>
+                        <p:cond delay="indefinite"/>
+                      </p:stCondLst>
+                      <p:childTnLst>
+                        <p:par>
+                          <p:cTn id="20" fill="hold">
+                            <p:stCondLst>
+                              <p:cond delay="0"/>
+                            </p:stCondLst>
+                            <p:childTnLst>
+                              <p:par>
+                                <p:cTn id="21" presetID="1" presetClass="entr" presetSubtype="0" fill="hold" nodeType="clickEffect">
+                                  <p:stCondLst>
+                                    <p:cond delay="0"/>
+                                  </p:stCondLst>
+                                  <p:childTnLst>
+                                    <p:set>
+                                      <p:cBhvr>
+                                        <p:cTn id="22" dur="1" fill="hold">
+                                          <p:stCondLst>
+                                            <p:cond delay="0"/>
+                                          </p:stCondLst>
+                                        </p:cTn>
+                                        <p:tgtEl>
+                                          <p:spTgt spid="3">
+                                            <p:txEl>
+                                              <p:pRg st="4" end="4"/>
+                                            </p:txEl>
+                                          </p:spTgt>
+                                        </p:tgtEl>
+                                        <p:attrNameLst>
+                                          <p:attrName>style.visibility</p:attrName>
+                                        </p:attrNameLst>
+                                      </p:cBhvr>
+                                      <p:to>
+                                        <p:strVal val="visible"/>
+                                      </p:to>
+                                    </p:set>
+                                  </p:childTnLst>
+                                </p:cTn>
+                              </p:par>
+                            </p:childTnLst>
+                          </p:cTn>
+                        </p:par>
+                      </p:childTnLst>
+                    </p:cTn>
+                  </p:par>
+                  <p:par>
+                    <p:cTn id="23" fill="hold">
+                      <p:stCondLst>
+                        <p:cond delay="indefinite"/>
+                      </p:stCondLst>
+                      <p:childTnLst>
+                        <p:par>
+                          <p:cTn id="24" fill="hold">
+                            <p:stCondLst>
+                              <p:cond delay="0"/>
+                            </p:stCondLst>
+                            <p:childTnLst>
+                              <p:par>
+                                <p:cTn id="25" presetID="1" presetClass="entr" presetSubtype="0" fill="hold" nodeType="clickEffect">
+                                  <p:stCondLst>
+                                    <p:cond delay="0"/>
+                                  </p:stCondLst>
+                                  <p:childTnLst>
+                                    <p:set>
+                                      <p:cBhvr>
+                                        <p:cTn id="26" dur="1" fill="hold">
+                                          <p:stCondLst>
+                                            <p:cond delay="0"/>
+                                          </p:stCondLst>
+                                        </p:cTn>
+                                        <p:tgtEl>
+                                          <p:spTgt spid="3">
+                                            <p:txEl>
+                                              <p:pRg st="5" end="5"/>
+                                            </p:txEl>
+                                          </p:spTgt>
+                                        </p:tgtEl>
+                                        <p:attrNameLst>
+                                          <p:attrName>style.visibility</p:attrName>
+                                        </p:attrNameLst>
+                                      </p:cBhvr>
+                                      <p:to>
+                                        <p:strVal val="visible"/>
+                                      </p:to>
+                                    </p:set>
+                                  </p:childTnLst>
+                                </p:cTn>
+                              </p:par>
+                            </p:childTnLst>
+                          </p:cTn>
+                        </p:par>
+                      </p:childTnLst>
+                    </p:cTn>
+                  </p:par>
+                  <p:par>
+                    <p:cTn id="27" fill="hold">
+                      <p:stCondLst>
+                        <p:cond delay="indefinite"/>
+                      </p:stCondLst>
+                      <p:childTnLst>
+                        <p:par>
+                          <p:cTn id="28" fill="hold">
+                            <p:stCondLst>
+                              <p:cond delay="0"/>
+                            </p:stCondLst>
+                            <p:childTnLst>
+                              <p:par>
+                                <p:cTn id="29" presetID="1" presetClass="entr" presetSubtype="0" fill="hold" nodeType="clickEffect">
+                                  <p:stCondLst>
+                                    <p:cond delay="0"/>
+                                  </p:stCondLst>
+                                  <p:childTnLst>
+                                    <p:set>
+                                      <p:cBhvr>
+                                        <p:cTn id="30" dur="1" fill="hold">
+                                          <p:stCondLst>
+                                            <p:cond delay="0"/>
+                                          </p:stCondLst>
+                                        </p:cTn>
+                                        <p:tgtEl>
+                                          <p:spTgt spid="3">
+                                            <p:txEl>
+                                              <p:pRg st="6" end="6"/>
+                                            </p:txEl>
+                                          </p:spTgt>
+                                        </p:tgtEl>
+                                        <p:attrNameLst>
+                                          <p:attrName>style.visibility</p:attrName>
+                                        </p:attrNameLst>
+                                      </p:cBhvr>
+                                      <p:to>
+                                        <p:strVal val="visible"/>
+                                      </p:to>
+                                    </p:set>
+                                  </p:childTnLst>
+                                </p:cTn>
+                              </p:par>
+                            </p:childTnLst>
+                          </p:cTn>
+                        </p:par>
+                      </p:childTnLst>
+                    </p:cTn>
+                  </p:par>
+                  <p:par>
+                    <p:cTn id="31" fill="hold">
+                      <p:stCondLst>
+                        <p:cond delay="indefinite"/>
+                      </p:stCondLst>
+                      <p:childTnLst>
+                        <p:par>
+                          <p:cTn id="32" fill="hold">
+                            <p:stCondLst>
+                              <p:cond delay="0"/>
+                            </p:stCondLst>
+                            <p:childTnLst>
+                              <p:par>
+                                <p:cTn id="33" presetID="1" presetClass="entr" presetSubtype="0" fill="hold" nodeType="clickEffect">
+                                  <p:stCondLst>
+                                    <p:cond delay="0"/>
+                                  </p:stCondLst>
+                                  <p:childTnLst>
+                                    <p:set>
+                                      <p:cBhvr>
+                                        <p:cTn id="34" dur="1" fill="hold">
+                                          <p:stCondLst>
+                                            <p:cond delay="0"/>
+                                          </p:stCondLst>
+                                        </p:cTn>
+                                        <p:tgtEl>
+                                          <p:spTgt spid="3">
+                                            <p:txEl>
+                                              <p:pRg st="7" end="7"/>
+                                            </p:txEl>
+                                          </p:spTgt>
+                                        </p:tgtEl>
+                                        <p:attrNameLst>
+                                          <p:attrName>style.visibility</p:attrName>
+                                        </p:attrNameLst>
+                                      </p:cBhvr>
+                                      <p:to>
+                                        <p:strVal val="visible"/>
+                                      </p:to>
+                                    </p:set>
+                                  </p:childTnLst>
+                                </p:cTn>
+                              </p:par>
+                            </p:childTnLst>
+                          </p:cTn>
+                        </p:par>
+                      </p:childTnLst>
+                    </p:cTn>
+                  </p:par>
+                  <p:par>
+                    <p:cTn id="35" fill="hold">
+                      <p:stCondLst>
+                        <p:cond delay="indefinite"/>
+                      </p:stCondLst>
+                      <p:childTnLst>
+                        <p:par>
+                          <p:cTn id="36" fill="hold">
+                            <p:stCondLst>
+                              <p:cond delay="0"/>
+                            </p:stCondLst>
+                            <p:childTnLst>
+                              <p:par>
+                                <p:cTn id="37" presetID="42" presetClass="entr" presetSubtype="0" fill="hold" nodeType="clickEffect">
+                                  <p:stCondLst>
+                                    <p:cond delay="0"/>
+                                  </p:stCondLst>
+                                  <p:childTnLst>
+                                    <p:set>
+                                      <p:cBhvr>
+                                        <p:cTn id="38" dur="1" fill="hold">
+                                          <p:stCondLst>
+                                            <p:cond delay="0"/>
+                                          </p:stCondLst>
+                                        </p:cTn>
+                                        <p:tgtEl>
+                                          <p:spTgt spid="3">
+                                            <p:txEl>
+                                              <p:pRg st="9" end="9"/>
+                                            </p:txEl>
+                                          </p:spTgt>
+                                        </p:tgtEl>
+                                        <p:attrNameLst>
+                                          <p:attrName>style.visibility</p:attrName>
+                                        </p:attrNameLst>
+                                      </p:cBhvr>
+                                      <p:to>
+                                        <p:strVal val="visible"/>
+                                      </p:to>
+                                    </p:set>
+                                    <p:animEffect transition="in" filter="fade">
+                                      <p:cBhvr>
+                                        <p:cTn id="39" dur="1000"/>
+                                        <p:tgtEl>
+                                          <p:spTgt spid="3">
+                                            <p:txEl>
+                                              <p:pRg st="9" end="9"/>
+                                            </p:txEl>
+                                          </p:spTgt>
+                                        </p:tgtEl>
+                                      </p:cBhvr>
+                                    </p:animEffect>
+                                    <p:anim calcmode="lin" valueType="num">
+                                      <p:cBhvr>
+                                        <p:cTn id="40" dur="1000" fill="hold"/>
+                                        <p:tgtEl>
+                                          <p:spTgt spid="3">
+                                            <p:txEl>
+                                              <p:pRg st="9" end="9"/>
+                                            </p:txEl>
+                                          </p:spTgt>
+                                        </p:tgtEl>
+                                        <p:attrNameLst>
+                                          <p:attrName>ppt_x</p:attrName>
+                                        </p:attrNameLst>
+                                      </p:cBhvr>
+                                      <p:tavLst>
+                                        <p:tav tm="0">
+                                          <p:val>
+                                            <p:strVal val="#ppt_x"/>
+                                          </p:val>
+                                        </p:tav>
+                                        <p:tav tm="100000">
+                                          <p:val>
+                                            <p:strVal val="#ppt_x"/>
+                                          </p:val>
+                                        </p:tav>
+                                      </p:tavLst>
+                                    </p:anim>
+                                    <p:anim calcmode="lin" valueType="num">
+                                      <p:cBhvr>
+                                        <p:cTn id="41" dur="1000" fill="hold"/>
+                                        <p:tgtEl>
+                                          <p:spTgt spid="3">
+                                            <p:txEl>
+                                              <p:pRg st="9" end="9"/>
+                                            </p:txEl>
+                                          </p:spTgt>
+                                        </p:tgtEl>
+                                        <p:attrNameLst>
+                                          <p:attrName>ppt_y</p:attrName>
+                                        </p:attrNameLst>
+                                      </p:cBhvr>
+                                      <p:tavLst>
+                                        <p:tav tm="0">
+                                          <p:val>
+                                            <p:strVal val="#ppt_y+.1"/>
+                                          </p:val>
+                                        </p:tav>
+                                        <p:tav tm="100000">
+                                          <p:val>
+                                            <p:strVal val="#ppt_y"/>
+                                          </p:val>
+                                        </p:tav>
+                                      </p:tavLst>
+                                    </p:anim>
+                                  </p:childTnLst>
+                                </p:cTn>
+                              </p:par>
+                            </p:childTnLst>
+                          </p:cTn>
+                        </p:par>
+                      </p:childTnLst>
+                    </p:cTn>
+                  </p:par>
+                  <p:par>
+                    <p:cTn id="42" fill="hold">
+                      <p:stCondLst>
+                        <p:cond delay="indefinite"/>
+                      </p:stCondLst>
+                      <p:childTnLst>
+                        <p:par>
+                          <p:cTn id="43" fill="hold">
+                            <p:stCondLst>
+                              <p:cond delay="0"/>
+                            </p:stCondLst>
+                            <p:childTnLst>
+                              <p:par>
+                                <p:cTn id="44" presetID="42" presetClass="entr" presetSubtype="0" fill="hold" nodeType="clickEffect">
+                                  <p:stCondLst>
+                                    <p:cond delay="0"/>
+                                  </p:stCondLst>
+                                  <p:childTnLst>
+                                    <p:set>
+                                      <p:cBhvr>
+                                        <p:cTn id="45" dur="1" fill="hold">
+                                          <p:stCondLst>
+                                            <p:cond delay="0"/>
+                                          </p:stCondLst>
+                                        </p:cTn>
+                                        <p:tgtEl>
+                                          <p:spTgt spid="3">
+                                            <p:txEl>
+                                              <p:pRg st="10" end="10"/>
+                                            </p:txEl>
+                                          </p:spTgt>
+                                        </p:tgtEl>
+                                        <p:attrNameLst>
+                                          <p:attrName>style.visibility</p:attrName>
+                                        </p:attrNameLst>
+                                      </p:cBhvr>
+                                      <p:to>
+                                        <p:strVal val="visible"/>
+                                      </p:to>
+                                    </p:set>
+                                    <p:animEffect transition="in" filter="fade">
+                                      <p:cBhvr>
+                                        <p:cTn id="46" dur="1000"/>
+                                        <p:tgtEl>
+                                          <p:spTgt spid="3">
+                                            <p:txEl>
+                                              <p:pRg st="10" end="10"/>
+                                            </p:txEl>
+                                          </p:spTgt>
+                                        </p:tgtEl>
+                                      </p:cBhvr>
+                                    </p:animEffect>
+                                    <p:anim calcmode="lin" valueType="num">
+                                      <p:cBhvr>
+                                        <p:cTn id="47" dur="1000" fill="hold"/>
+                                        <p:tgtEl>
+                                          <p:spTgt spid="3">
+                                            <p:txEl>
+                                              <p:pRg st="10" end="10"/>
+                                            </p:txEl>
+                                          </p:spTgt>
+                                        </p:tgtEl>
+                                        <p:attrNameLst>
+                                          <p:attrName>ppt_x</p:attrName>
+                                        </p:attrNameLst>
+                                      </p:cBhvr>
+                                      <p:tavLst>
+                                        <p:tav tm="0">
+                                          <p:val>
+                                            <p:strVal val="#ppt_x"/>
+                                          </p:val>
+                                        </p:tav>
+                                        <p:tav tm="100000">
+                                          <p:val>
+                                            <p:strVal val="#ppt_x"/>
+                                          </p:val>
+                                        </p:tav>
+                                      </p:tavLst>
+                                    </p:anim>
+                                    <p:anim calcmode="lin" valueType="num">
+                                      <p:cBhvr>
+                                        <p:cTn id="48" dur="1000" fill="hold"/>
+                                        <p:tgtEl>
+                                          <p:spTgt spid="3">
+                                            <p:txEl>
+                                              <p:pRg st="10" end="10"/>
+                                            </p:txEl>
+                                          </p:spTgt>
+                                        </p:tgtEl>
+                                        <p:attrNameLst>
+                                          <p:attrName>ppt_y</p:attrName>
+                                        </p:attrNameLst>
+                                      </p:cBhvr>
+                                      <p:tavLst>
+                                        <p:tav tm="0">
+                                          <p:val>
+                                            <p:strVal val="#ppt_y+.1"/>
+                                          </p:val>
+                                        </p:tav>
+                                        <p:tav tm="100000">
+                                          <p:val>
+                                            <p:strVal val="#ppt_y"/>
+                                          </p:val>
+                                        </p:tav>
+                                      </p:tavLst>
+                                    </p:anim>
+                                  </p:childTnLst>
+                                </p:cTn>
+                              </p:par>
+                            </p:childTnLst>
+                          </p:cTn>
+                        </p:par>
+                      </p:childTnLst>
+                    </p:cTn>
+                  </p:par>
+                  <p:par>
+                    <p:cTn id="49" fill="hold">
+                      <p:stCondLst>
+                        <p:cond delay="indefinite"/>
+                      </p:stCondLst>
+                      <p:childTnLst>
+                        <p:par>
+                          <p:cTn id="50" fill="hold">
+                            <p:stCondLst>
+                              <p:cond delay="0"/>
+                            </p:stCondLst>
+                            <p:childTnLst>
+                              <p:par>
+                                <p:cTn id="51" presetID="42" presetClass="entr" presetSubtype="0" fill="hold" nodeType="clickEffect">
+                                  <p:stCondLst>
+                                    <p:cond delay="0"/>
+                                  </p:stCondLst>
+                                  <p:childTnLst>
+                                    <p:set>
+                                      <p:cBhvr>
+                                        <p:cTn id="52" dur="1" fill="hold">
+                                          <p:stCondLst>
+                                            <p:cond delay="0"/>
+                                          </p:stCondLst>
+                                        </p:cTn>
+                                        <p:tgtEl>
+                                          <p:spTgt spid="3">
+                                            <p:txEl>
+                                              <p:pRg st="11" end="11"/>
+                                            </p:txEl>
+                                          </p:spTgt>
+                                        </p:tgtEl>
+                                        <p:attrNameLst>
+                                          <p:attrName>style.visibility</p:attrName>
+                                        </p:attrNameLst>
+                                      </p:cBhvr>
+                                      <p:to>
+                                        <p:strVal val="visible"/>
+                                      </p:to>
+                                    </p:set>
+                                    <p:animEffect transition="in" filter="fade">
+                                      <p:cBhvr>
+                                        <p:cTn id="53" dur="1000"/>
+                                        <p:tgtEl>
+                                          <p:spTgt spid="3">
+                                            <p:txEl>
+                                              <p:pRg st="11" end="11"/>
+                                            </p:txEl>
+                                          </p:spTgt>
+                                        </p:tgtEl>
+                                      </p:cBhvr>
+                                    </p:animEffect>
+                                    <p:anim calcmode="lin" valueType="num">
+                                      <p:cBhvr>
+                                        <p:cTn id="54" dur="1000" fill="hold"/>
+                                        <p:tgtEl>
+                                          <p:spTgt spid="3">
+                                            <p:txEl>
+                                              <p:pRg st="11" end="11"/>
+                                            </p:txEl>
+                                          </p:spTgt>
+                                        </p:tgtEl>
+                                        <p:attrNameLst>
+                                          <p:attrName>ppt_x</p:attrName>
+                                        </p:attrNameLst>
+                                      </p:cBhvr>
+                                      <p:tavLst>
+                                        <p:tav tm="0">
+                                          <p:val>
+                                            <p:strVal val="#ppt_x"/>
+                                          </p:val>
+                                        </p:tav>
+                                        <p:tav tm="100000">
+                                          <p:val>
+                                            <p:strVal val="#ppt_x"/>
+                                          </p:val>
+                                        </p:tav>
+                                      </p:tavLst>
+                                    </p:anim>
+                                    <p:anim calcmode="lin" valueType="num">
+                                      <p:cBhvr>
+                                        <p:cTn id="55" dur="1000" fill="hold"/>
+                                        <p:tgtEl>
+                                          <p:spTgt spid="3">
+                                            <p:txEl>
+                                              <p:pRg st="11" end="11"/>
+                                            </p:txEl>
+                                          </p:spTgt>
+                                        </p:tgtEl>
+                                        <p:attrNameLst>
+                                          <p:attrName>ppt_y</p:attrName>
+                                        </p:attrNameLst>
+                                      </p:cBhvr>
+                                      <p:tavLst>
+                                        <p:tav tm="0">
+                                          <p:val>
+                                            <p:strVal val="#ppt_y+.1"/>
+                                          </p:val>
+                                        </p:tav>
+                                        <p:tav tm="100000">
+                                          <p:val>
+                                            <p:strVal val="#ppt_y"/>
+                                          </p:val>
+                                        </p:tav>
+                                      </p:tavLst>
+                                    </p:anim>
+                                  </p:childTnLst>
+                                </p:cTn>
+                              </p:par>
+                            </p:childTnLst>
+                          </p:cTn>
+                        </p:par>
+                      </p:childTnLst>
+                    </p:cTn>
+                  </p:par>
+                  <p:par>
+                    <p:cTn id="56" fill="hold">
+                      <p:stCondLst>
+                        <p:cond delay="indefinite"/>
+                      </p:stCondLst>
+                      <p:childTnLst>
+                        <p:par>
+                          <p:cTn id="57" fill="hold">
+                            <p:stCondLst>
+                              <p:cond delay="0"/>
+                            </p:stCondLst>
+                            <p:childTnLst>
+                              <p:par>
+                                <p:cTn id="58" presetID="42" presetClass="entr" presetSubtype="0" fill="hold" nodeType="clickEffect">
+                                  <p:stCondLst>
+                                    <p:cond delay="0"/>
+                                  </p:stCondLst>
+                                  <p:childTnLst>
+                                    <p:set>
+                                      <p:cBhvr>
+                                        <p:cTn id="59" dur="1" fill="hold">
+                                          <p:stCondLst>
+                                            <p:cond delay="0"/>
+                                          </p:stCondLst>
+                                        </p:cTn>
+                                        <p:tgtEl>
+                                          <p:spTgt spid="3">
+                                            <p:txEl>
+                                              <p:pRg st="12" end="12"/>
+                                            </p:txEl>
+                                          </p:spTgt>
+                                        </p:tgtEl>
+                                        <p:attrNameLst>
+                                          <p:attrName>style.visibility</p:attrName>
+                                        </p:attrNameLst>
+                                      </p:cBhvr>
+                                      <p:to>
+                                        <p:strVal val="visible"/>
+                                      </p:to>
+                                    </p:set>
+                                    <p:animEffect transition="in" filter="fade">
+                                      <p:cBhvr>
+                                        <p:cTn id="60" dur="1000"/>
+                                        <p:tgtEl>
+                                          <p:spTgt spid="3">
+                                            <p:txEl>
+                                              <p:pRg st="12" end="12"/>
+                                            </p:txEl>
+                                          </p:spTgt>
+                                        </p:tgtEl>
+                                      </p:cBhvr>
+                                    </p:animEffect>
+                                    <p:anim calcmode="lin" valueType="num">
+                                      <p:cBhvr>
+                                        <p:cTn id="61" dur="1000" fill="hold"/>
+                                        <p:tgtEl>
+                                          <p:spTgt spid="3">
+                                            <p:txEl>
+                                              <p:pRg st="12" end="12"/>
+                                            </p:txEl>
+                                          </p:spTgt>
+                                        </p:tgtEl>
+                                        <p:attrNameLst>
+                                          <p:attrName>ppt_x</p:attrName>
+                                        </p:attrNameLst>
+                                      </p:cBhvr>
+                                      <p:tavLst>
+                                        <p:tav tm="0">
+                                          <p:val>
+                                            <p:strVal val="#ppt_x"/>
+                                          </p:val>
+                                        </p:tav>
+                                        <p:tav tm="100000">
+                                          <p:val>
+                                            <p:strVal val="#ppt_x"/>
+                                          </p:val>
+                                        </p:tav>
+                                      </p:tavLst>
+                                    </p:anim>
+                                    <p:anim calcmode="lin" valueType="num">
+                                      <p:cBhvr>
+                                        <p:cTn id="62" dur="1000" fill="hold"/>
+                                        <p:tgtEl>
+                                          <p:spTgt spid="3">
+                                            <p:txEl>
+                                              <p:pRg st="12" end="12"/>
+                                            </p:txEl>
+                                          </p:spTgt>
+                                        </p:tgtEl>
+                                        <p:attrNameLst>
+                                          <p:attrName>ppt_y</p:attrName>
+                                        </p:attrNameLst>
+                                      </p:cBhvr>
+                                      <p:tavLst>
+                                        <p:tav tm="0">
+                                          <p:val>
+                                            <p:strVal val="#ppt_y+.1"/>
+                                          </p:val>
+                                        </p:tav>
+                                        <p:tav tm="100000">
+                                          <p:val>
+                                            <p:strVal val="#ppt_y"/>
+                                          </p:val>
+                                        </p:tav>
+                                      </p:tavLst>
+                                    </p:anim>
+                                  </p:childTnLst>
+                                </p:cTn>
+                              </p:par>
+                            </p:childTnLst>
+                          </p:cTn>
+                        </p:par>
+                      </p:childTnLst>
+                    </p:cTn>
+                  </p:par>
+                  <p:par>
+                    <p:cTn id="63" fill="hold">
+                      <p:stCondLst>
+                        <p:cond delay="indefinite"/>
+                      </p:stCondLst>
+                      <p:childTnLst>
+                        <p:par>
+                          <p:cTn id="64" fill="hold">
+                            <p:stCondLst>
+                              <p:cond delay="0"/>
+                            </p:stCondLst>
+                            <p:childTnLst>
+                              <p:par>
+                                <p:cTn id="65" presetID="42" presetClass="entr" presetSubtype="0" fill="hold" nodeType="clickEffect">
+                                  <p:stCondLst>
+                                    <p:cond delay="0"/>
+                                  </p:stCondLst>
+                                  <p:childTnLst>
+                                    <p:set>
+                                      <p:cBhvr>
+                                        <p:cTn id="66" dur="1" fill="hold">
+                                          <p:stCondLst>
+                                            <p:cond delay="0"/>
+                                          </p:stCondLst>
+                                        </p:cTn>
+                                        <p:tgtEl>
+                                          <p:spTgt spid="3">
+                                            <p:txEl>
+                                              <p:pRg st="13" end="13"/>
+                                            </p:txEl>
+                                          </p:spTgt>
+                                        </p:tgtEl>
+                                        <p:attrNameLst>
+                                          <p:attrName>style.visibility</p:attrName>
+                                        </p:attrNameLst>
+                                      </p:cBhvr>
+                                      <p:to>
+                                        <p:strVal val="visible"/>
+                                      </p:to>
+                                    </p:set>
+                                    <p:animEffect transition="in" filter="fade">
+                                      <p:cBhvr>
+                                        <p:cTn id="67" dur="1000"/>
+                                        <p:tgtEl>
+                                          <p:spTgt spid="3">
+                                            <p:txEl>
+                                              <p:pRg st="13" end="13"/>
+                                            </p:txEl>
+                                          </p:spTgt>
+                                        </p:tgtEl>
+                                      </p:cBhvr>
+                                    </p:animEffect>
+                                    <p:anim calcmode="lin" valueType="num">
+                                      <p:cBhvr>
+                                        <p:cTn id="68" dur="1000" fill="hold"/>
+                                        <p:tgtEl>
+                                          <p:spTgt spid="3">
+                                            <p:txEl>
+                                              <p:pRg st="13" end="13"/>
+                                            </p:txEl>
+                                          </p:spTgt>
+                                        </p:tgtEl>
+                                        <p:attrNameLst>
+                                          <p:attrName>ppt_x</p:attrName>
+                                        </p:attrNameLst>
+                                      </p:cBhvr>
+                                      <p:tavLst>
+                                        <p:tav tm="0">
+                                          <p:val>
+                                            <p:strVal val="#ppt_x"/>
+                                          </p:val>
+                                        </p:tav>
+                                        <p:tav tm="100000">
+                                          <p:val>
+                                            <p:strVal val="#ppt_x"/>
+                                          </p:val>
+                                        </p:tav>
+                                      </p:tavLst>
+                                    </p:anim>
+                                    <p:anim calcmode="lin" valueType="num">
+                                      <p:cBhvr>
+                                        <p:cTn id="69" dur="1000" fill="hold"/>
+                                        <p:tgtEl>
+                                          <p:spTgt spid="3">
+                                            <p:txEl>
+                                              <p:pRg st="13" end="13"/>
+                                            </p:txEl>
+                                          </p:spTgt>
+                                        </p:tgtEl>
+                                        <p:attrNameLst>
+                                          <p:attrName>ppt_y</p:attrName>
+                                        </p:attrNameLst>
+                                      </p:cBhvr>
+                                      <p:tavLst>
+                                        <p:tav tm="0">
+                                          <p:val>
+                                            <p:strVal val="#ppt_y+.1"/>
+                                          </p:val>
+                                        </p:tav>
+                                        <p:tav tm="100000">
+                                          <p:val>
+                                            <p:strVal val="#ppt_y"/>
+                                          </p:val>
+                                        </p:tav>
+                                      </p:tavLst>
+                                    </p:anim>
+                                  </p:childTnLst>
+                                </p:cTn>
+                              </p:par>
+                            </p:childTnLst>
+                          </p:cTn>
+                        </p:par>
+                      </p:childTnLst>
+                    </p:cTn>
+                  </p:par>
+                </p:childTnLst>
+              </p:cTn>
+              <p:prevCondLst>
+                <p:cond evt="onPrev" delay="0">
+                  <p:tgtEl>
+                    <p:sldTgt/>
+                  </p:tgtEl>
+                </p:cond>
+              </p:prevCondLst>
+              <p:nextCondLst>
+                <p:cond evt="onNext" delay="0">
+                  <p:tgtEl>
+                    <p:sldTgt/>
+                  </p:tgtEl>
+                </p:cond>
+              </p:nextCondLst>
+            </p:seq>
+          </p:childTnLst>
+        </p:cTn>
       </p:par>
     </p:tnLst>
   </p:timing>
@@ -14402,183 +15582,6 @@
           <a:p>
             <a:r>
               <a:rPr lang="de-DE" dirty="0" smtClean="0"/>
-              <a:t>Eingesetzte Technologien</a:t>
-            </a:r>
-            <a:endParaRPr lang="de-DE" dirty="0"/>
-          </a:p>
-        </p:txBody>
-      </p:sp>
-      <p:sp>
-        <p:nvSpPr>
-          <p:cNvPr id="3" name="Inhaltsplatzhalter 2"/>
-          <p:cNvSpPr>
-            <a:spLocks noGrp="1"/>
-          </p:cNvSpPr>
-          <p:nvPr>
-            <p:ph idx="1"/>
-          </p:nvPr>
-        </p:nvSpPr>
-        <p:spPr/>
-        <p:txBody>
-          <a:bodyPr>
-            <a:normAutofit/>
-          </a:bodyPr>
-          <a:lstStyle/>
-          <a:p>
-            <a:pPr lvl="0"/>
-            <a:r>
-              <a:rPr lang="en-US" dirty="0" err="1"/>
-              <a:t>EasyMock</a:t>
-            </a:r>
-            <a:r>
-              <a:rPr lang="en-US" dirty="0"/>
-              <a:t>, </a:t>
-            </a:r>
-            <a:r>
-              <a:rPr lang="en-US" dirty="0" err="1"/>
-              <a:t>EasyGloss</a:t>
-            </a:r>
-            <a:r>
-              <a:rPr lang="en-US" dirty="0"/>
-              <a:t>, </a:t>
-            </a:r>
-            <a:r>
-              <a:rPr lang="en-US" dirty="0" err="1"/>
-              <a:t>PowerMock</a:t>
-            </a:r>
-            <a:r>
-              <a:rPr lang="en-US" dirty="0"/>
-              <a:t>, </a:t>
-            </a:r>
-            <a:r>
-              <a:rPr lang="en-US" dirty="0" err="1"/>
-              <a:t>JUnit</a:t>
-            </a:r>
-            <a:endParaRPr lang="de-DE" dirty="0"/>
-          </a:p>
-          <a:p>
-            <a:pPr lvl="0"/>
-            <a:r>
-              <a:rPr lang="en-US" dirty="0" err="1"/>
-              <a:t>Primefaces</a:t>
-            </a:r>
-            <a:r>
-              <a:rPr lang="en-US" dirty="0"/>
-              <a:t> 3.0</a:t>
-            </a:r>
-            <a:endParaRPr lang="de-DE" dirty="0"/>
-          </a:p>
-          <a:p>
-            <a:pPr lvl="0"/>
-            <a:r>
-              <a:rPr lang="en-US" dirty="0" err="1"/>
-              <a:t>EclipseLink</a:t>
-            </a:r>
-            <a:r>
-              <a:rPr lang="en-US" dirty="0"/>
-              <a:t>, JPA</a:t>
-            </a:r>
-            <a:endParaRPr lang="de-DE" dirty="0"/>
-          </a:p>
-          <a:p>
-            <a:pPr lvl="0"/>
-            <a:r>
-              <a:rPr lang="en-US" dirty="0"/>
-              <a:t>Java Server Faces</a:t>
-            </a:r>
-            <a:r>
-              <a:rPr lang="de-DE" dirty="0"/>
-              <a:t> (</a:t>
-            </a:r>
-            <a:r>
-              <a:rPr lang="de-DE" dirty="0" err="1"/>
-              <a:t>Mojarra</a:t>
-            </a:r>
-            <a:r>
-              <a:rPr lang="de-DE" dirty="0"/>
-              <a:t> bei </a:t>
-            </a:r>
-            <a:r>
-              <a:rPr lang="de-DE" dirty="0" err="1"/>
-              <a:t>Glassfish</a:t>
-            </a:r>
-            <a:r>
-              <a:rPr lang="de-DE" dirty="0" smtClean="0"/>
-              <a:t>)</a:t>
-            </a:r>
-            <a:endParaRPr lang="de-DE" dirty="0"/>
-          </a:p>
-          <a:p>
-            <a:r>
-              <a:rPr lang="en-US" dirty="0"/>
-              <a:t>MySQL JDBC-Connector</a:t>
-            </a:r>
-            <a:endParaRPr lang="de-DE" dirty="0"/>
-          </a:p>
-          <a:p>
-            <a:pPr marL="68580" lvl="0" indent="0">
-              <a:buNone/>
-            </a:pPr>
-            <a:endParaRPr lang="de-DE" dirty="0"/>
-          </a:p>
-        </p:txBody>
-      </p:sp>
-    </p:spTree>
-    <p:extLst>
-      <p:ext uri="{BB962C8B-B14F-4D97-AF65-F5344CB8AC3E}">
-        <p14:creationId xmlns:p14="http://schemas.microsoft.com/office/powerpoint/2010/main" val="2410781174"/>
-      </p:ext>
-    </p:extLst>
-  </p:cSld>
-  <p:clrMapOvr>
-    <a:masterClrMapping/>
-  </p:clrMapOvr>
-  <p:timing>
-    <p:tnLst>
-      <p:par>
-        <p:cTn xmlns:p14="http://schemas.microsoft.com/office/powerpoint/2010/main" id="1" dur="indefinite" restart="never" nodeType="tmRoot"/>
-      </p:par>
-    </p:tnLst>
-  </p:timing>
-</p:sld>
-</file>
-
-<file path=ppt/slides/slide15.xml><?xml version="1.0" encoding="utf-8"?>
-<p:sld xmlns:a="http://schemas.openxmlformats.org/drawingml/2006/main" xmlns:r="http://schemas.openxmlformats.org/officeDocument/2006/relationships" xmlns:p="http://schemas.openxmlformats.org/presentationml/2006/main">
-  <p:cSld>
-    <p:spTree>
-      <p:nvGrpSpPr>
-        <p:cNvPr id="1" name=""/>
-        <p:cNvGrpSpPr/>
-        <p:nvPr/>
-      </p:nvGrpSpPr>
-      <p:grpSpPr>
-        <a:xfrm>
-          <a:off x="0" y="0"/>
-          <a:ext cx="0" cy="0"/>
-          <a:chOff x="0" y="0"/>
-          <a:chExt cx="0" cy="0"/>
-        </a:xfrm>
-      </p:grpSpPr>
-      <p:sp>
-        <p:nvSpPr>
-          <p:cNvPr id="2" name="Titel 1"/>
-          <p:cNvSpPr>
-            <a:spLocks noGrp="1"/>
-          </p:cNvSpPr>
-          <p:nvPr>
-            <p:ph type="title"/>
-          </p:nvPr>
-        </p:nvSpPr>
-        <p:spPr/>
-        <p:txBody>
-          <a:bodyPr>
-            <a:normAutofit/>
-          </a:bodyPr>
-          <a:lstStyle/>
-          <a:p>
-            <a:r>
-              <a:rPr lang="de-DE" dirty="0" smtClean="0"/>
               <a:t>Kurze Vorführung</a:t>
             </a:r>
             <a:endParaRPr lang="de-DE" dirty="0"/>
@@ -14629,7 +15632,7 @@
 </p:sld>
 </file>
 
-<file path=ppt/slides/slide16.xml><?xml version="1.0" encoding="utf-8"?>
+<file path=ppt/slides/slide15.xml><?xml version="1.0" encoding="utf-8"?>
 <p:sld xmlns:a="http://schemas.openxmlformats.org/drawingml/2006/main" xmlns:r="http://schemas.openxmlformats.org/officeDocument/2006/relationships" xmlns:p="http://schemas.openxmlformats.org/presentationml/2006/main">
   <p:cSld>
     <p:spTree>
@@ -14796,47 +15799,72 @@
         </p:spPr>
         <p:txBody>
           <a:bodyPr>
-            <a:normAutofit/>
+            <a:normAutofit lnSpcReduction="10000"/>
           </a:bodyPr>
           <a:lstStyle/>
           <a:p>
             <a:r>
               <a:rPr lang="de-DE" dirty="0"/>
-              <a:t>Unsere Gruppe</a:t>
-            </a:r>
-          </a:p>
-          <a:p>
+              <a:t>Unsere </a:t>
+            </a:r>
             <a:r>
               <a:rPr lang="de-DE" dirty="0" smtClean="0"/>
-              <a:t>Wiederholung Idee und Entwurf</a:t>
-            </a:r>
-          </a:p>
-          <a:p>
-            <a:pPr lvl="1"/>
+              <a:t>Gruppe</a:t>
+            </a:r>
+          </a:p>
+          <a:p>
             <a:r>
               <a:rPr lang="de-DE" dirty="0" smtClean="0"/>
-              <a:t>Was war die Grundidee</a:t>
-            </a:r>
-          </a:p>
-          <a:p>
-            <a:pPr lvl="1"/>
+              <a:t>Was </a:t>
+            </a:r>
             <a:r>
               <a:rPr lang="de-DE" dirty="0" smtClean="0"/>
-              <a:t>Umfeld der Anwendung</a:t>
-            </a:r>
-          </a:p>
-          <a:p>
-            <a:pPr lvl="1"/>
+              <a:t>war die </a:t>
+            </a:r>
             <a:r>
               <a:rPr lang="de-DE" dirty="0" smtClean="0"/>
-              <a:t>Voraussetzungen Mockup</a:t>
-            </a:r>
-          </a:p>
-          <a:p>
-            <a:pPr lvl="1"/>
+              <a:t>Grundidee</a:t>
+            </a:r>
+          </a:p>
+          <a:p>
             <a:r>
               <a:rPr lang="de-DE" dirty="0" smtClean="0"/>
-              <a:t>Funktionale Anforderungen und </a:t>
+              <a:t>Umfeld </a:t>
+            </a:r>
+            <a:r>
+              <a:rPr lang="de-DE" dirty="0" smtClean="0"/>
+              <a:t>der </a:t>
+            </a:r>
+            <a:r>
+              <a:rPr lang="de-DE" dirty="0" smtClean="0"/>
+              <a:t>Anwendung</a:t>
+            </a:r>
+          </a:p>
+          <a:p>
+            <a:r>
+              <a:rPr lang="de-DE" dirty="0" smtClean="0"/>
+              <a:t>Voraussetzungen</a:t>
+            </a:r>
+          </a:p>
+          <a:p>
+            <a:r>
+              <a:rPr lang="de-DE" dirty="0"/>
+              <a:t>Eingesetzte </a:t>
+            </a:r>
+            <a:r>
+              <a:rPr lang="de-DE" dirty="0" smtClean="0"/>
+              <a:t>Technologien</a:t>
+            </a:r>
+            <a:endParaRPr lang="de-DE" dirty="0"/>
+          </a:p>
+          <a:p>
+            <a:r>
+              <a:rPr lang="de-DE" dirty="0" smtClean="0"/>
+              <a:t>Funktionale </a:t>
+            </a:r>
+            <a:r>
+              <a:rPr lang="de-DE" dirty="0" smtClean="0"/>
+              <a:t>Anforderungen und </a:t>
             </a:r>
             <a:r>
               <a:rPr lang="de-DE" dirty="0" err="1" smtClean="0"/>
@@ -14847,12 +15875,6 @@
           <a:p>
             <a:r>
               <a:rPr lang="de-DE" dirty="0" smtClean="0"/>
-              <a:t>Datenbank</a:t>
-            </a:r>
-          </a:p>
-          <a:p>
-            <a:r>
-              <a:rPr lang="de-DE" dirty="0" smtClean="0"/>
               <a:t>Schichten</a:t>
             </a:r>
           </a:p>
@@ -14861,17 +15883,37 @@
               <a:rPr lang="de-DE" dirty="0" smtClean="0"/>
               <a:t>Interaktion mit Google</a:t>
             </a:r>
+            <a:endParaRPr lang="de-DE" dirty="0" smtClean="0"/>
           </a:p>
           <a:p>
             <a:r>
               <a:rPr lang="de-DE" dirty="0" smtClean="0"/>
-              <a:t>Anforderungen erfüllt?</a:t>
-            </a:r>
+              <a:t>Datenbank</a:t>
+            </a:r>
+            <a:endParaRPr lang="de-DE" dirty="0" smtClean="0"/>
           </a:p>
           <a:p>
             <a:r>
               <a:rPr lang="de-DE" dirty="0" smtClean="0"/>
-              <a:t>Kurze Vorführung</a:t>
+              <a:t>Anforderungen </a:t>
+            </a:r>
+            <a:r>
+              <a:rPr lang="de-DE" dirty="0" smtClean="0"/>
+              <a:t>erfüllt</a:t>
+            </a:r>
+            <a:r>
+              <a:rPr lang="de-DE" dirty="0" smtClean="0"/>
+              <a:t>?</a:t>
+            </a:r>
+          </a:p>
+          <a:p>
+            <a:r>
+              <a:rPr lang="de-DE" dirty="0" smtClean="0"/>
+              <a:t>Kurze </a:t>
+            </a:r>
+            <a:r>
+              <a:rPr lang="de-DE" dirty="0" smtClean="0"/>
+              <a:t>Vorführung</a:t>
             </a:r>
           </a:p>
         </p:txBody>
@@ -15189,6 +16231,13 @@
   <p:clrMapOvr>
     <a:masterClrMapping/>
   </p:clrMapOvr>
+  <p:timing>
+    <p:tnLst>
+      <p:par>
+        <p:cTn xmlns:p14="http://schemas.microsoft.com/office/powerpoint/2010/main" id="1" dur="indefinite" restart="never" nodeType="tmRoot"/>
+      </p:par>
+    </p:tnLst>
+  </p:timing>
 </p:sld>
 </file>
 
@@ -15261,18 +16310,19 @@
           <a:p>
             <a:r>
               <a:rPr lang="de-DE" dirty="0" smtClean="0"/>
-              <a:t>Kontakte haben Email-</a:t>
+              <a:t>Kontakte haben </a:t>
             </a:r>
             <a:r>
               <a:rPr lang="de-DE" dirty="0" smtClean="0"/>
-              <a:t>Adresse, Name, Vorname</a:t>
-            </a:r>
-            <a:endParaRPr lang="de-DE" dirty="0" smtClean="0"/>
-          </a:p>
-          <a:p>
+              <a:t>eine gültige Email</a:t>
+            </a:r>
             <a:r>
               <a:rPr lang="de-DE" dirty="0" smtClean="0"/>
-              <a:t>Kontakte sollten ein Geburtsdatum haben </a:t>
+              <a:t>-Adresse, Name, </a:t>
+            </a:r>
+            <a:r>
+              <a:rPr lang="de-DE" dirty="0" smtClean="0"/>
+              <a:t>Vorname und einen Geburtsdatum</a:t>
             </a:r>
             <a:endParaRPr lang="de-DE" dirty="0"/>
           </a:p>
@@ -15288,6 +16338,13 @@
   <p:clrMapOvr>
     <a:masterClrMapping/>
   </p:clrMapOvr>
+  <p:timing>
+    <p:tnLst>
+      <p:par>
+        <p:cTn xmlns:p14="http://schemas.microsoft.com/office/powerpoint/2010/main" id="1" dur="indefinite" restart="never" nodeType="tmRoot"/>
+      </p:par>
+    </p:tnLst>
+  </p:timing>
 </p:sld>
 </file>
 
@@ -15318,52 +16375,144 @@
             <p:ph type="title"/>
           </p:nvPr>
         </p:nvSpPr>
-        <p:spPr>
-          <a:xfrm>
-            <a:off x="1043608" y="332656"/>
-            <a:ext cx="7024744" cy="1143000"/>
-          </a:xfrm>
-        </p:spPr>
+        <p:spPr/>
         <p:txBody>
-          <a:bodyPr/>
+          <a:bodyPr>
+            <a:normAutofit/>
+          </a:bodyPr>
           <a:lstStyle/>
           <a:p>
             <a:r>
-              <a:rPr lang="de-DE" dirty="0" err="1" smtClean="0"/>
-              <a:t>MockUp</a:t>
+              <a:rPr lang="de-DE" dirty="0" smtClean="0"/>
+              <a:t>Eingesetzte Technologien</a:t>
             </a:r>
             <a:endParaRPr lang="de-DE" dirty="0"/>
           </a:p>
         </p:txBody>
       </p:sp>
-      <p:pic>
-        <p:nvPicPr>
-          <p:cNvPr id="4" name="Bild 3"/>
-          <p:cNvPicPr>
-            <a:picLocks noChangeAspect="1"/>
-          </p:cNvPicPr>
-          <p:nvPr/>
-        </p:nvPicPr>
-        <p:blipFill>
-          <a:blip r:embed="rId2"/>
-          <a:stretch>
-            <a:fillRect/>
-          </a:stretch>
-        </p:blipFill>
-        <p:spPr>
-          <a:xfrm>
-            <a:off x="433499" y="1412776"/>
-            <a:ext cx="8242957" cy="4824536"/>
-          </a:xfrm>
-          <a:prstGeom prst="rect">
-            <a:avLst/>
-          </a:prstGeom>
-        </p:spPr>
-      </p:pic>
+      <p:sp>
+        <p:nvSpPr>
+          <p:cNvPr id="3" name="Inhaltsplatzhalter 2"/>
+          <p:cNvSpPr>
+            <a:spLocks noGrp="1"/>
+          </p:cNvSpPr>
+          <p:nvPr>
+            <p:ph idx="1"/>
+          </p:nvPr>
+        </p:nvSpPr>
+        <p:spPr/>
+        <p:txBody>
+          <a:bodyPr>
+            <a:normAutofit/>
+          </a:bodyPr>
+          <a:lstStyle/>
+          <a:p>
+            <a:pPr lvl="0"/>
+            <a:r>
+              <a:rPr lang="en-US" dirty="0" err="1"/>
+              <a:t>EasyMock</a:t>
+            </a:r>
+            <a:r>
+              <a:rPr lang="en-US" dirty="0"/>
+              <a:t>, </a:t>
+            </a:r>
+            <a:r>
+              <a:rPr lang="en-US" dirty="0" err="1"/>
+              <a:t>EasyGloss</a:t>
+            </a:r>
+            <a:r>
+              <a:rPr lang="en-US" dirty="0"/>
+              <a:t>, </a:t>
+            </a:r>
+            <a:r>
+              <a:rPr lang="en-US" dirty="0" err="1"/>
+              <a:t>PowerMock</a:t>
+            </a:r>
+            <a:r>
+              <a:rPr lang="en-US" dirty="0"/>
+              <a:t>, </a:t>
+            </a:r>
+            <a:r>
+              <a:rPr lang="en-US" dirty="0" err="1"/>
+              <a:t>JUnit</a:t>
+            </a:r>
+            <a:endParaRPr lang="de-DE" dirty="0"/>
+          </a:p>
+          <a:p>
+            <a:pPr lvl="0"/>
+            <a:r>
+              <a:rPr lang="en-US" dirty="0" err="1"/>
+              <a:t>Primefaces</a:t>
+            </a:r>
+            <a:r>
+              <a:rPr lang="en-US" dirty="0"/>
+              <a:t> 3.0</a:t>
+            </a:r>
+            <a:endParaRPr lang="de-DE" dirty="0"/>
+          </a:p>
+          <a:p>
+            <a:pPr lvl="0"/>
+            <a:r>
+              <a:rPr lang="en-US" dirty="0" err="1"/>
+              <a:t>EclipseLink</a:t>
+            </a:r>
+            <a:r>
+              <a:rPr lang="en-US" dirty="0"/>
+              <a:t>, </a:t>
+            </a:r>
+            <a:r>
+              <a:rPr lang="en-US" dirty="0" smtClean="0"/>
+              <a:t>JPA 2.0</a:t>
+            </a:r>
+            <a:endParaRPr lang="de-DE" dirty="0"/>
+          </a:p>
+          <a:p>
+            <a:pPr lvl="0"/>
+            <a:r>
+              <a:rPr lang="en-US" dirty="0"/>
+              <a:t>Java Server Faces</a:t>
+            </a:r>
+            <a:r>
+              <a:rPr lang="de-DE" dirty="0"/>
+              <a:t> (</a:t>
+            </a:r>
+            <a:r>
+              <a:rPr lang="de-DE" dirty="0" err="1"/>
+              <a:t>Mojarra</a:t>
+            </a:r>
+            <a:r>
+              <a:rPr lang="de-DE" dirty="0"/>
+              <a:t> bei </a:t>
+            </a:r>
+            <a:r>
+              <a:rPr lang="de-DE" dirty="0" err="1"/>
+              <a:t>Glassfish</a:t>
+            </a:r>
+            <a:r>
+              <a:rPr lang="de-DE" dirty="0" smtClean="0"/>
+              <a:t>)</a:t>
+            </a:r>
+            <a:endParaRPr lang="de-DE" dirty="0"/>
+          </a:p>
+          <a:p>
+            <a:r>
+              <a:rPr lang="en-US" dirty="0"/>
+              <a:t>MySQL JDBC-Connector</a:t>
+            </a:r>
+            <a:endParaRPr lang="de-DE" dirty="0"/>
+          </a:p>
+          <a:p>
+            <a:pPr marL="68580" lvl="0" indent="0">
+              <a:buNone/>
+            </a:pPr>
+            <a:endParaRPr lang="de-DE" dirty="0"/>
+          </a:p>
+        </p:txBody>
+      </p:sp>
     </p:spTree>
     <p:extLst>
       <p:ext uri="{BB962C8B-B14F-4D97-AF65-F5344CB8AC3E}">
-        <p14:creationId xmlns:p14="http://schemas.microsoft.com/office/powerpoint/2010/main" val="1084782428"/>
+        <p14:creationId xmlns:p14="http://schemas.microsoft.com/office/powerpoint/2010/main" val="2410781174"/>
       </p:ext>
     </p:extLst>
   </p:cSld>
@@ -15517,6 +16666,13 @@
   <p:clrMapOvr>
     <a:masterClrMapping/>
   </p:clrMapOvr>
+  <p:timing>
+    <p:tnLst>
+      <p:par>
+        <p:cTn xmlns:p14="http://schemas.microsoft.com/office/powerpoint/2010/main" id="1" dur="indefinite" restart="never" nodeType="tmRoot"/>
+      </p:par>
+    </p:tnLst>
+  </p:timing>
 </p:sld>
 </file>
 
@@ -15539,9 +16695,9 @@
       </p:grpSpPr>
       <p:pic>
         <p:nvPicPr>
-          <p:cNvPr id="1026" name="Picture 2"/>
+          <p:cNvPr id="3" name="Bild 2" descr="UseCaseDiagramm.jpg"/>
           <p:cNvPicPr>
-            <a:picLocks noChangeAspect="1" noChangeArrowheads="1"/>
+            <a:picLocks noChangeAspect="1"/>
           </p:cNvPicPr>
           <p:nvPr/>
         </p:nvPicPr>
@@ -15553,52 +16709,18 @@
               </a:ext>
             </a:extLst>
           </a:blip>
-          <a:srcRect/>
           <a:stretch>
             <a:fillRect/>
           </a:stretch>
         </p:blipFill>
-        <p:spPr bwMode="auto">
+        <p:spPr>
           <a:xfrm>
-            <a:off x="1979712" y="836712"/>
-            <a:ext cx="5760641" cy="5616624"/>
+            <a:off x="467544" y="188640"/>
+            <a:ext cx="5218541" cy="6286790"/>
           </a:xfrm>
           <a:prstGeom prst="rect">
             <a:avLst/>
           </a:prstGeom>
-          <a:noFill/>
-          <a:ln>
-            <a:noFill/>
-          </a:ln>
-          <a:effectLst/>
-          <a:extLst>
-            <a:ext uri="{909E8E84-426E-40dd-AFC4-6F175D3DCCD1}">
-              <a14:hiddenFill xmlns:a14="http://schemas.microsoft.com/office/drawing/2010/main">
-                <a:solidFill>
-                  <a:schemeClr val="accent1"/>
-                </a:solidFill>
-              </a14:hiddenFill>
-            </a:ext>
-            <a:ext uri="{91240B29-F687-4f45-9708-019B960494DF}">
-              <a14:hiddenLine xmlns:a14="http://schemas.microsoft.com/office/drawing/2010/main" w="9525">
-                <a:solidFill>
-                  <a:schemeClr val="tx1"/>
-                </a:solidFill>
-                <a:miter lim="800000"/>
-                <a:headEnd/>
-                <a:tailEnd/>
-              </a14:hiddenLine>
-            </a:ext>
-            <a:ext uri="{AF507438-7753-43e0-B8FC-AC1667EBCBE1}">
-              <a14:hiddenEffects xmlns:a14="http://schemas.microsoft.com/office/drawing/2010/main">
-                <a:effectLst>
-                  <a:outerShdw dist="35921" dir="2700000" algn="ctr" rotWithShape="0">
-                    <a:schemeClr val="bg2"/>
-                  </a:outerShdw>
-                </a:effectLst>
-              </a14:hiddenEffects>
-            </a:ext>
-          </a:extLst>
         </p:spPr>
       </p:pic>
       <p:sp>
@@ -15621,6 +16743,7 @@
           <a:bodyPr/>
           <a:lstStyle/>
           <a:p>
+            <a:pPr algn="r"/>
             <a:r>
               <a:rPr lang="de-DE" dirty="0" err="1" smtClean="0"/>
               <a:t>Use</a:t>
